--- a/Krebsdaten.pptx
+++ b/Krebsdaten.pptx
@@ -2,10 +2,11 @@
 <file path=ppt/presentation.xml><?xml version="1.0" encoding="utf-8"?>
 <p:presentation xmlns:a="http://schemas.openxmlformats.org/drawingml/2006/main" xmlns:r="http://schemas.openxmlformats.org/officeDocument/2006/relationships" xmlns:p="http://schemas.openxmlformats.org/presentationml/2006/main" saveSubsetFonts="1">
   <p:sldMasterIdLst>
-    <p:sldMasterId id="2147483648" r:id="rId1"/>
+    <p:sldMasterId id="2147483725" r:id="rId1"/>
   </p:sldMasterIdLst>
   <p:sldIdLst>
     <p:sldId id="256" r:id="rId2"/>
+    <p:sldId id="257" r:id="rId3"/>
   </p:sldIdLst>
   <p:sldSz cx="12192000" cy="6858000"/>
   <p:notesSz cx="6858000" cy="9144000"/>
@@ -104,12 +105,17 @@
       </a:defRPr>
     </a:lvl9pPr>
   </p:defaultTextStyle>
+  <p:extLst>
+    <p:ext uri="{EFAFB233-063F-42B5-8137-9DF3F51BA10A}">
+      <p15:sldGuideLst xmlns:p15="http://schemas.microsoft.com/office/powerpoint/2012/main"/>
+    </p:ext>
+  </p:extLst>
 </p:presentation>
 </file>
 
 <file path=ppt/slideLayouts/slideLayout1.xml><?xml version="1.0" encoding="utf-8"?>
 <p:sldLayout xmlns:a="http://schemas.openxmlformats.org/drawingml/2006/main" xmlns:r="http://schemas.openxmlformats.org/officeDocument/2006/relationships" xmlns:p="http://schemas.openxmlformats.org/presentationml/2006/main" type="title" preserve="1">
-  <p:cSld name="Titelfolie">
+  <p:cSld name="Title Slide">
     <p:spTree>
       <p:nvGrpSpPr>
         <p:cNvPr id="1" name=""/>
@@ -126,10 +132,10 @@
       </p:grpSpPr>
       <p:sp>
         <p:nvSpPr>
-          <p:cNvPr id="2" name="Titel 1">
-            <a:extLst>
-              <a:ext uri="{FF2B5EF4-FFF2-40B4-BE49-F238E27FC236}">
-                <a16:creationId xmlns:a16="http://schemas.microsoft.com/office/drawing/2014/main" id="{622986BE-1B64-9F02-B31E-9F8D1D5FCA93}"/>
+          <p:cNvPr id="2" name="Title 1">
+            <a:extLst>
+              <a:ext uri="{FF2B5EF4-FFF2-40B4-BE49-F238E27FC236}">
+                <a16:creationId xmlns:a16="http://schemas.microsoft.com/office/drawing/2014/main" id="{B11A6A15-6E39-4FFA-B5DC-89EB633E6DC2}"/>
               </a:ext>
             </a:extLst>
           </p:cNvPr>
@@ -142,31 +148,33 @@
         </p:nvSpPr>
         <p:spPr>
           <a:xfrm>
-            <a:off x="1524000" y="1122363"/>
-            <a:ext cx="9144000" cy="2387600"/>
+            <a:off x="1638300" y="1371600"/>
+            <a:ext cx="8127574" cy="2736443"/>
           </a:xfrm>
         </p:spPr>
         <p:txBody>
-          <a:bodyPr anchor="b"/>
+          <a:bodyPr anchor="b">
+            <a:normAutofit/>
+          </a:bodyPr>
           <a:lstStyle>
-            <a:lvl1pPr algn="ctr">
-              <a:defRPr sz="6000"/>
+            <a:lvl1pPr algn="l">
+              <a:defRPr sz="4400"/>
             </a:lvl1pPr>
           </a:lstStyle>
           <a:p>
             <a:r>
-              <a:rPr lang="de-DE"/>
-              <a:t>Mastertitelformat bearbeiten</a:t>
-            </a:r>
-          </a:p>
-        </p:txBody>
-      </p:sp>
-      <p:sp>
-        <p:nvSpPr>
-          <p:cNvPr id="3" name="Untertitel 2">
-            <a:extLst>
-              <a:ext uri="{FF2B5EF4-FFF2-40B4-BE49-F238E27FC236}">
-                <a16:creationId xmlns:a16="http://schemas.microsoft.com/office/drawing/2014/main" id="{34F6B25D-91A5-62E4-EA2A-5100322F8624}"/>
+              <a:rPr lang="en-US" dirty="0"/>
+              <a:t>Click to edit Master title style</a:t>
+            </a:r>
+          </a:p>
+        </p:txBody>
+      </p:sp>
+      <p:sp>
+        <p:nvSpPr>
+          <p:cNvPr id="3" name="Subtitle 2">
+            <a:extLst>
+              <a:ext uri="{FF2B5EF4-FFF2-40B4-BE49-F238E27FC236}">
+                <a16:creationId xmlns:a16="http://schemas.microsoft.com/office/drawing/2014/main" id="{9A169311-3201-45EC-B973-82EC27DA529A}"/>
               </a:ext>
             </a:extLst>
           </p:cNvPr>
@@ -179,16 +187,18 @@
         </p:nvSpPr>
         <p:spPr>
           <a:xfrm>
-            <a:off x="1524000" y="3602038"/>
-            <a:ext cx="9144000" cy="1655762"/>
+            <a:off x="1638300" y="4299358"/>
+            <a:ext cx="8127574" cy="1187042"/>
           </a:xfrm>
         </p:spPr>
         <p:txBody>
-          <a:bodyPr/>
+          <a:bodyPr>
+            <a:normAutofit/>
+          </a:bodyPr>
           <a:lstStyle>
-            <a:lvl1pPr marL="0" indent="0" algn="ctr">
-              <a:buNone/>
-              <a:defRPr sz="2400"/>
+            <a:lvl1pPr marL="0" indent="0" algn="l">
+              <a:buNone/>
+              <a:defRPr sz="1800" cap="all" spc="200" baseline="0"/>
             </a:lvl1pPr>
             <a:lvl2pPr marL="457200" indent="0" algn="ctr">
               <a:buNone/>
@@ -225,18 +235,18 @@
           </a:lstStyle>
           <a:p>
             <a:r>
-              <a:rPr lang="de-DE"/>
-              <a:t>Master-Untertitelformat bearbeiten</a:t>
-            </a:r>
-          </a:p>
-        </p:txBody>
-      </p:sp>
-      <p:sp>
-        <p:nvSpPr>
-          <p:cNvPr id="4" name="Datumsplatzhalter 3">
-            <a:extLst>
-              <a:ext uri="{FF2B5EF4-FFF2-40B4-BE49-F238E27FC236}">
-                <a16:creationId xmlns:a16="http://schemas.microsoft.com/office/drawing/2014/main" id="{4AB79B34-3536-DFD6-ACC6-8E4A50DDB0D9}"/>
+              <a:rPr lang="en-US" dirty="0"/>
+              <a:t>Click to edit Master subtitle style</a:t>
+            </a:r>
+          </a:p>
+        </p:txBody>
+      </p:sp>
+      <p:sp>
+        <p:nvSpPr>
+          <p:cNvPr id="4" name="Date Placeholder 3">
+            <a:extLst>
+              <a:ext uri="{FF2B5EF4-FFF2-40B4-BE49-F238E27FC236}">
+                <a16:creationId xmlns:a16="http://schemas.microsoft.com/office/drawing/2014/main" id="{629AE4B9-EDEF-4A2C-B464-332C5C624F1D}"/>
               </a:ext>
             </a:extLst>
           </p:cNvPr>
@@ -252,20 +262,20 @@
           <a:bodyPr/>
           <a:lstStyle/>
           <a:p>
-            <a:fld id="{C318BFAD-CC80-4D77-AF3C-7ACD95D648DB}" type="datetimeFigureOut">
-              <a:rPr lang="de-DE" smtClean="0"/>
-              <a:t>06.07.2023</a:t>
+            <a:fld id="{B6D41BCC-AD73-4203-A5A6-E62EB28B0FE6}" type="datetimeFigureOut">
+              <a:rPr lang="en-US" smtClean="0"/>
+              <a:t>7/6/2023</a:t>
             </a:fld>
-            <a:endParaRPr lang="de-DE"/>
-          </a:p>
-        </p:txBody>
-      </p:sp>
-      <p:sp>
-        <p:nvSpPr>
-          <p:cNvPr id="5" name="Fußzeilenplatzhalter 4">
-            <a:extLst>
-              <a:ext uri="{FF2B5EF4-FFF2-40B4-BE49-F238E27FC236}">
-                <a16:creationId xmlns:a16="http://schemas.microsoft.com/office/drawing/2014/main" id="{0C9D3892-935C-BC9B-70BC-6A696A8BB6AE}"/>
+            <a:endParaRPr lang="en-US"/>
+          </a:p>
+        </p:txBody>
+      </p:sp>
+      <p:sp>
+        <p:nvSpPr>
+          <p:cNvPr id="5" name="Footer Placeholder 4">
+            <a:extLst>
+              <a:ext uri="{FF2B5EF4-FFF2-40B4-BE49-F238E27FC236}">
+                <a16:creationId xmlns:a16="http://schemas.microsoft.com/office/drawing/2014/main" id="{62B4C951-4861-4549-8E72-CEECA89E4DD7}"/>
               </a:ext>
             </a:extLst>
           </p:cNvPr>
@@ -281,16 +291,16 @@
           <a:bodyPr/>
           <a:lstStyle/>
           <a:p>
-            <a:endParaRPr lang="de-DE"/>
-          </a:p>
-        </p:txBody>
-      </p:sp>
-      <p:sp>
-        <p:nvSpPr>
-          <p:cNvPr id="6" name="Foliennummernplatzhalter 5">
-            <a:extLst>
-              <a:ext uri="{FF2B5EF4-FFF2-40B4-BE49-F238E27FC236}">
-                <a16:creationId xmlns:a16="http://schemas.microsoft.com/office/drawing/2014/main" id="{1BA893D0-E8B8-CE15-8CC7-B92485558857}"/>
+            <a:endParaRPr lang="en-US"/>
+          </a:p>
+        </p:txBody>
+      </p:sp>
+      <p:sp>
+        <p:nvSpPr>
+          <p:cNvPr id="6" name="Slide Number Placeholder 5">
+            <a:extLst>
+              <a:ext uri="{FF2B5EF4-FFF2-40B4-BE49-F238E27FC236}">
+                <a16:creationId xmlns:a16="http://schemas.microsoft.com/office/drawing/2014/main" id="{FF2E1401-5637-41BC-AC21-891056450A28}"/>
               </a:ext>
             </a:extLst>
           </p:cNvPr>
@@ -306,18 +316,18 @@
           <a:bodyPr/>
           <a:lstStyle/>
           <a:p>
-            <a:fld id="{E21B1CCD-CEEE-47DD-8EBF-39550E763BCC}" type="slidenum">
-              <a:rPr lang="de-DE" smtClean="0"/>
+            <a:fld id="{D637F8FC-4B86-4690-8888-22AB2F781BEF}" type="slidenum">
+              <a:rPr lang="en-US" smtClean="0"/>
               <a:t>‹Nr.›</a:t>
             </a:fld>
-            <a:endParaRPr lang="de-DE"/>
+            <a:endParaRPr lang="en-US"/>
           </a:p>
         </p:txBody>
       </p:sp>
     </p:spTree>
     <p:extLst>
       <p:ext uri="{BB962C8B-B14F-4D97-AF65-F5344CB8AC3E}">
-        <p14:creationId xmlns:p14="http://schemas.microsoft.com/office/powerpoint/2010/main" val="4276445162"/>
+        <p14:creationId xmlns:p14="http://schemas.microsoft.com/office/powerpoint/2010/main" val="1099463223"/>
       </p:ext>
     </p:extLst>
   </p:cSld>
@@ -329,7 +339,7 @@
 
 <file path=ppt/slideLayouts/slideLayout10.xml><?xml version="1.0" encoding="utf-8"?>
 <p:sldLayout xmlns:a="http://schemas.openxmlformats.org/drawingml/2006/main" xmlns:r="http://schemas.openxmlformats.org/officeDocument/2006/relationships" xmlns:p="http://schemas.openxmlformats.org/presentationml/2006/main" type="vertTx" preserve="1">
-  <p:cSld name="Titel und vertikaler Text">
+  <p:cSld name="Title and Vertical Text">
     <p:spTree>
       <p:nvGrpSpPr>
         <p:cNvPr id="1" name=""/>
@@ -346,10 +356,10 @@
       </p:grpSpPr>
       <p:sp>
         <p:nvSpPr>
-          <p:cNvPr id="2" name="Titel 1">
-            <a:extLst>
-              <a:ext uri="{FF2B5EF4-FFF2-40B4-BE49-F238E27FC236}">
-                <a16:creationId xmlns:a16="http://schemas.microsoft.com/office/drawing/2014/main" id="{E0E67BE1-A047-018C-06AD-FF62D51E7B1B}"/>
+          <p:cNvPr id="2" name="Title 1">
+            <a:extLst>
+              <a:ext uri="{FF2B5EF4-FFF2-40B4-BE49-F238E27FC236}">
+                <a16:creationId xmlns:a16="http://schemas.microsoft.com/office/drawing/2014/main" id="{2FEAD0E6-AD36-493C-9DC3-5ACC2059EC93}"/>
               </a:ext>
             </a:extLst>
           </p:cNvPr>
@@ -360,89 +370,153 @@
             <p:ph type="title"/>
           </p:nvPr>
         </p:nvSpPr>
+        <p:spPr>
+          <a:xfrm>
+            <a:off x="1638299" y="685800"/>
+            <a:ext cx="8915402" cy="1371600"/>
+          </a:xfrm>
+        </p:spPr>
+        <p:txBody>
+          <a:bodyPr/>
+          <a:lstStyle/>
+          <a:p>
+            <a:r>
+              <a:rPr lang="en-US"/>
+              <a:t>Click to edit Master title style</a:t>
+            </a:r>
+          </a:p>
+        </p:txBody>
+      </p:sp>
+      <p:sp>
+        <p:nvSpPr>
+          <p:cNvPr id="3" name="Vertical Text Placeholder 2">
+            <a:extLst>
+              <a:ext uri="{FF2B5EF4-FFF2-40B4-BE49-F238E27FC236}">
+                <a16:creationId xmlns:a16="http://schemas.microsoft.com/office/drawing/2014/main" id="{F10B8558-FA83-4F6C-A6D1-2DF9D3F74BD6}"/>
+              </a:ext>
+            </a:extLst>
+          </p:cNvPr>
+          <p:cNvSpPr>
+            <a:spLocks noGrp="1"/>
+          </p:cNvSpPr>
+          <p:nvPr>
+            <p:ph type="body" orient="vert" idx="1"/>
+          </p:nvPr>
+        </p:nvSpPr>
+        <p:spPr>
+          <a:xfrm>
+            <a:off x="1638299" y="2057399"/>
+            <a:ext cx="8915401" cy="4114801"/>
+          </a:xfrm>
+        </p:spPr>
+        <p:txBody>
+          <a:bodyPr vert="eaVert"/>
+          <a:lstStyle/>
+          <a:p>
+            <a:pPr lvl="0"/>
+            <a:r>
+              <a:rPr lang="en-US" dirty="0"/>
+              <a:t>Click to edit Master text styles</a:t>
+            </a:r>
+          </a:p>
+          <a:p>
+            <a:pPr lvl="1"/>
+            <a:r>
+              <a:rPr lang="en-US" dirty="0"/>
+              <a:t>Second level</a:t>
+            </a:r>
+          </a:p>
+          <a:p>
+            <a:pPr lvl="2"/>
+            <a:r>
+              <a:rPr lang="en-US" dirty="0"/>
+              <a:t>Third level</a:t>
+            </a:r>
+          </a:p>
+          <a:p>
+            <a:pPr lvl="3"/>
+            <a:r>
+              <a:rPr lang="en-US" dirty="0"/>
+              <a:t>Fourth level</a:t>
+            </a:r>
+          </a:p>
+          <a:p>
+            <a:pPr lvl="4"/>
+            <a:r>
+              <a:rPr lang="en-US" dirty="0"/>
+              <a:t>Fifth level</a:t>
+            </a:r>
+          </a:p>
+        </p:txBody>
+      </p:sp>
+      <p:sp>
+        <p:nvSpPr>
+          <p:cNvPr id="4" name="Date Placeholder 3">
+            <a:extLst>
+              <a:ext uri="{FF2B5EF4-FFF2-40B4-BE49-F238E27FC236}">
+                <a16:creationId xmlns:a16="http://schemas.microsoft.com/office/drawing/2014/main" id="{DB6DE619-0CC6-4480-ABDE-277D36BDFCBB}"/>
+              </a:ext>
+            </a:extLst>
+          </p:cNvPr>
+          <p:cNvSpPr>
+            <a:spLocks noGrp="1"/>
+          </p:cNvSpPr>
+          <p:nvPr>
+            <p:ph type="dt" sz="half" idx="10"/>
+          </p:nvPr>
+        </p:nvSpPr>
         <p:spPr/>
         <p:txBody>
           <a:bodyPr/>
           <a:lstStyle/>
           <a:p>
-            <a:r>
-              <a:rPr lang="de-DE"/>
-              <a:t>Mastertitelformat bearbeiten</a:t>
-            </a:r>
-          </a:p>
-        </p:txBody>
-      </p:sp>
-      <p:sp>
-        <p:nvSpPr>
-          <p:cNvPr id="3" name="Vertikaler Textplatzhalter 2">
-            <a:extLst>
-              <a:ext uri="{FF2B5EF4-FFF2-40B4-BE49-F238E27FC236}">
-                <a16:creationId xmlns:a16="http://schemas.microsoft.com/office/drawing/2014/main" id="{CD1A402A-5CE0-A656-3EC5-DBB5755631AC}"/>
-              </a:ext>
-            </a:extLst>
-          </p:cNvPr>
-          <p:cNvSpPr>
-            <a:spLocks noGrp="1"/>
-          </p:cNvSpPr>
-          <p:nvPr>
-            <p:ph type="body" orient="vert" idx="1"/>
+            <a:fld id="{B6D41BCC-AD73-4203-A5A6-E62EB28B0FE6}" type="datetimeFigureOut">
+              <a:rPr lang="en-US" smtClean="0"/>
+              <a:t>7/6/2023</a:t>
+            </a:fld>
+            <a:endParaRPr lang="en-US"/>
+          </a:p>
+        </p:txBody>
+      </p:sp>
+      <p:sp>
+        <p:nvSpPr>
+          <p:cNvPr id="5" name="Footer Placeholder 4">
+            <a:extLst>
+              <a:ext uri="{FF2B5EF4-FFF2-40B4-BE49-F238E27FC236}">
+                <a16:creationId xmlns:a16="http://schemas.microsoft.com/office/drawing/2014/main" id="{140791E6-BE35-4ECA-8AD1-E8EC09B8562E}"/>
+              </a:ext>
+            </a:extLst>
+          </p:cNvPr>
+          <p:cNvSpPr>
+            <a:spLocks noGrp="1"/>
+          </p:cNvSpPr>
+          <p:nvPr>
+            <p:ph type="ftr" sz="quarter" idx="11"/>
           </p:nvPr>
         </p:nvSpPr>
         <p:spPr/>
         <p:txBody>
-          <a:bodyPr vert="eaVert"/>
-          <a:lstStyle/>
-          <a:p>
-            <a:pPr lvl="0"/>
-            <a:r>
-              <a:rPr lang="de-DE"/>
-              <a:t>Mastertextformat bearbeiten</a:t>
-            </a:r>
-          </a:p>
-          <a:p>
-            <a:pPr lvl="1"/>
-            <a:r>
-              <a:rPr lang="de-DE"/>
-              <a:t>Zweite Ebene</a:t>
-            </a:r>
-          </a:p>
-          <a:p>
-            <a:pPr lvl="2"/>
-            <a:r>
-              <a:rPr lang="de-DE"/>
-              <a:t>Dritte Ebene</a:t>
-            </a:r>
-          </a:p>
-          <a:p>
-            <a:pPr lvl="3"/>
-            <a:r>
-              <a:rPr lang="de-DE"/>
-              <a:t>Vierte Ebene</a:t>
-            </a:r>
-          </a:p>
-          <a:p>
-            <a:pPr lvl="4"/>
-            <a:r>
-              <a:rPr lang="de-DE"/>
-              <a:t>Fünfte Ebene</a:t>
-            </a:r>
-          </a:p>
-        </p:txBody>
-      </p:sp>
-      <p:sp>
-        <p:nvSpPr>
-          <p:cNvPr id="4" name="Datumsplatzhalter 3">
-            <a:extLst>
-              <a:ext uri="{FF2B5EF4-FFF2-40B4-BE49-F238E27FC236}">
-                <a16:creationId xmlns:a16="http://schemas.microsoft.com/office/drawing/2014/main" id="{2CCE00F8-5CB6-AEEC-BDA7-1E260C8F5FBD}"/>
-              </a:ext>
-            </a:extLst>
-          </p:cNvPr>
-          <p:cNvSpPr>
-            <a:spLocks noGrp="1"/>
-          </p:cNvSpPr>
-          <p:nvPr>
-            <p:ph type="dt" sz="half" idx="10"/>
+          <a:bodyPr/>
+          <a:lstStyle/>
+          <a:p>
+            <a:endParaRPr lang="en-US"/>
+          </a:p>
+        </p:txBody>
+      </p:sp>
+      <p:sp>
+        <p:nvSpPr>
+          <p:cNvPr id="6" name="Slide Number Placeholder 5">
+            <a:extLst>
+              <a:ext uri="{FF2B5EF4-FFF2-40B4-BE49-F238E27FC236}">
+                <a16:creationId xmlns:a16="http://schemas.microsoft.com/office/drawing/2014/main" id="{61F94606-B928-42D6-85CC-9576F60E3B5C}"/>
+              </a:ext>
+            </a:extLst>
+          </p:cNvPr>
+          <p:cNvSpPr>
+            <a:spLocks noGrp="1"/>
+          </p:cNvSpPr>
+          <p:nvPr>
+            <p:ph type="sldNum" sz="quarter" idx="12"/>
           </p:nvPr>
         </p:nvSpPr>
         <p:spPr/>
@@ -450,72 +524,18 @@
           <a:bodyPr/>
           <a:lstStyle/>
           <a:p>
-            <a:fld id="{C318BFAD-CC80-4D77-AF3C-7ACD95D648DB}" type="datetimeFigureOut">
-              <a:rPr lang="de-DE" smtClean="0"/>
-              <a:t>06.07.2023</a:t>
-            </a:fld>
-            <a:endParaRPr lang="de-DE"/>
-          </a:p>
-        </p:txBody>
-      </p:sp>
-      <p:sp>
-        <p:nvSpPr>
-          <p:cNvPr id="5" name="Fußzeilenplatzhalter 4">
-            <a:extLst>
-              <a:ext uri="{FF2B5EF4-FFF2-40B4-BE49-F238E27FC236}">
-                <a16:creationId xmlns:a16="http://schemas.microsoft.com/office/drawing/2014/main" id="{A8BC9408-8AC7-FCF4-E9F9-0A0995D2F6DF}"/>
-              </a:ext>
-            </a:extLst>
-          </p:cNvPr>
-          <p:cNvSpPr>
-            <a:spLocks noGrp="1"/>
-          </p:cNvSpPr>
-          <p:nvPr>
-            <p:ph type="ftr" sz="quarter" idx="11"/>
-          </p:nvPr>
-        </p:nvSpPr>
-        <p:spPr/>
-        <p:txBody>
-          <a:bodyPr/>
-          <a:lstStyle/>
-          <a:p>
-            <a:endParaRPr lang="de-DE"/>
-          </a:p>
-        </p:txBody>
-      </p:sp>
-      <p:sp>
-        <p:nvSpPr>
-          <p:cNvPr id="6" name="Foliennummernplatzhalter 5">
-            <a:extLst>
-              <a:ext uri="{FF2B5EF4-FFF2-40B4-BE49-F238E27FC236}">
-                <a16:creationId xmlns:a16="http://schemas.microsoft.com/office/drawing/2014/main" id="{FB393448-D90D-5DDD-68C1-CD62E7EEE507}"/>
-              </a:ext>
-            </a:extLst>
-          </p:cNvPr>
-          <p:cNvSpPr>
-            <a:spLocks noGrp="1"/>
-          </p:cNvSpPr>
-          <p:nvPr>
-            <p:ph type="sldNum" sz="quarter" idx="12"/>
-          </p:nvPr>
-        </p:nvSpPr>
-        <p:spPr/>
-        <p:txBody>
-          <a:bodyPr/>
-          <a:lstStyle/>
-          <a:p>
-            <a:fld id="{E21B1CCD-CEEE-47DD-8EBF-39550E763BCC}" type="slidenum">
-              <a:rPr lang="de-DE" smtClean="0"/>
+            <a:fld id="{D637F8FC-4B86-4690-8888-22AB2F781BEF}" type="slidenum">
+              <a:rPr lang="en-US" smtClean="0"/>
               <a:t>‹Nr.›</a:t>
             </a:fld>
-            <a:endParaRPr lang="de-DE"/>
+            <a:endParaRPr lang="en-US"/>
           </a:p>
         </p:txBody>
       </p:sp>
     </p:spTree>
     <p:extLst>
       <p:ext uri="{BB962C8B-B14F-4D97-AF65-F5344CB8AC3E}">
-        <p14:creationId xmlns:p14="http://schemas.microsoft.com/office/powerpoint/2010/main" val="4055638760"/>
+        <p14:creationId xmlns:p14="http://schemas.microsoft.com/office/powerpoint/2010/main" val="2628971629"/>
       </p:ext>
     </p:extLst>
   </p:cSld>
@@ -527,7 +547,7 @@
 
 <file path=ppt/slideLayouts/slideLayout11.xml><?xml version="1.0" encoding="utf-8"?>
 <p:sldLayout xmlns:a="http://schemas.openxmlformats.org/drawingml/2006/main" xmlns:r="http://schemas.openxmlformats.org/officeDocument/2006/relationships" xmlns:p="http://schemas.openxmlformats.org/presentationml/2006/main" type="vertTitleAndTx" preserve="1">
-  <p:cSld name="Vertikaler Titel und Text">
+  <p:cSld name="Vertical Title and Text">
     <p:spTree>
       <p:nvGrpSpPr>
         <p:cNvPr id="1" name=""/>
@@ -544,10 +564,10 @@
       </p:grpSpPr>
       <p:sp>
         <p:nvSpPr>
-          <p:cNvPr id="2" name="Vertikaler Titel 1">
-            <a:extLst>
-              <a:ext uri="{FF2B5EF4-FFF2-40B4-BE49-F238E27FC236}">
-                <a16:creationId xmlns:a16="http://schemas.microsoft.com/office/drawing/2014/main" id="{46D614C5-ADC7-5913-6B62-C49C17C650C4}"/>
+          <p:cNvPr id="2" name="Vertical Title 1">
+            <a:extLst>
+              <a:ext uri="{FF2B5EF4-FFF2-40B4-BE49-F238E27FC236}">
+                <a16:creationId xmlns:a16="http://schemas.microsoft.com/office/drawing/2014/main" id="{D7F18D8A-5002-491C-922A-E9624E2DBD63}"/>
               </a:ext>
             </a:extLst>
           </p:cNvPr>
@@ -569,18 +589,18 @@
           <a:lstStyle/>
           <a:p>
             <a:r>
-              <a:rPr lang="de-DE"/>
-              <a:t>Mastertitelformat bearbeiten</a:t>
-            </a:r>
-          </a:p>
-        </p:txBody>
-      </p:sp>
-      <p:sp>
-        <p:nvSpPr>
-          <p:cNvPr id="3" name="Vertikaler Textplatzhalter 2">
-            <a:extLst>
-              <a:ext uri="{FF2B5EF4-FFF2-40B4-BE49-F238E27FC236}">
-                <a16:creationId xmlns:a16="http://schemas.microsoft.com/office/drawing/2014/main" id="{03A26883-F719-539C-F738-DE595845A0F2}"/>
+              <a:rPr lang="en-US"/>
+              <a:t>Click to edit Master title style</a:t>
+            </a:r>
+          </a:p>
+        </p:txBody>
+      </p:sp>
+      <p:sp>
+        <p:nvSpPr>
+          <p:cNvPr id="3" name="Vertical Text Placeholder 2">
+            <a:extLst>
+              <a:ext uri="{FF2B5EF4-FFF2-40B4-BE49-F238E27FC236}">
+                <a16:creationId xmlns:a16="http://schemas.microsoft.com/office/drawing/2014/main" id="{865882C6-2BE9-4E25-B8BB-A2346A2B0B60}"/>
               </a:ext>
             </a:extLst>
           </p:cNvPr>
@@ -603,46 +623,46 @@
           <a:p>
             <a:pPr lvl="0"/>
             <a:r>
-              <a:rPr lang="de-DE"/>
-              <a:t>Mastertextformat bearbeiten</a:t>
+              <a:rPr lang="en-US"/>
+              <a:t>Click to edit Master text styles</a:t>
             </a:r>
           </a:p>
           <a:p>
             <a:pPr lvl="1"/>
             <a:r>
-              <a:rPr lang="de-DE"/>
-              <a:t>Zweite Ebene</a:t>
+              <a:rPr lang="en-US"/>
+              <a:t>Second level</a:t>
             </a:r>
           </a:p>
           <a:p>
             <a:pPr lvl="2"/>
             <a:r>
-              <a:rPr lang="de-DE"/>
-              <a:t>Dritte Ebene</a:t>
+              <a:rPr lang="en-US"/>
+              <a:t>Third level</a:t>
             </a:r>
           </a:p>
           <a:p>
             <a:pPr lvl="3"/>
             <a:r>
-              <a:rPr lang="de-DE"/>
-              <a:t>Vierte Ebene</a:t>
+              <a:rPr lang="en-US"/>
+              <a:t>Fourth level</a:t>
             </a:r>
           </a:p>
           <a:p>
             <a:pPr lvl="4"/>
             <a:r>
-              <a:rPr lang="de-DE"/>
-              <a:t>Fünfte Ebene</a:t>
-            </a:r>
-          </a:p>
-        </p:txBody>
-      </p:sp>
-      <p:sp>
-        <p:nvSpPr>
-          <p:cNvPr id="4" name="Datumsplatzhalter 3">
-            <a:extLst>
-              <a:ext uri="{FF2B5EF4-FFF2-40B4-BE49-F238E27FC236}">
-                <a16:creationId xmlns:a16="http://schemas.microsoft.com/office/drawing/2014/main" id="{22450060-B6D2-E516-60F3-1A61E14E14BE}"/>
+              <a:rPr lang="en-US"/>
+              <a:t>Fifth level</a:t>
+            </a:r>
+          </a:p>
+        </p:txBody>
+      </p:sp>
+      <p:sp>
+        <p:nvSpPr>
+          <p:cNvPr id="4" name="Date Placeholder 3">
+            <a:extLst>
+              <a:ext uri="{FF2B5EF4-FFF2-40B4-BE49-F238E27FC236}">
+                <a16:creationId xmlns:a16="http://schemas.microsoft.com/office/drawing/2014/main" id="{7C7BEFF9-B3BC-4C07-BF6C-2E3C91B54B78}"/>
               </a:ext>
             </a:extLst>
           </p:cNvPr>
@@ -658,20 +678,20 @@
           <a:bodyPr/>
           <a:lstStyle/>
           <a:p>
-            <a:fld id="{C318BFAD-CC80-4D77-AF3C-7ACD95D648DB}" type="datetimeFigureOut">
-              <a:rPr lang="de-DE" smtClean="0"/>
-              <a:t>06.07.2023</a:t>
+            <a:fld id="{B6D41BCC-AD73-4203-A5A6-E62EB28B0FE6}" type="datetimeFigureOut">
+              <a:rPr lang="en-US" smtClean="0"/>
+              <a:t>7/6/2023</a:t>
             </a:fld>
-            <a:endParaRPr lang="de-DE"/>
-          </a:p>
-        </p:txBody>
-      </p:sp>
-      <p:sp>
-        <p:nvSpPr>
-          <p:cNvPr id="5" name="Fußzeilenplatzhalter 4">
-            <a:extLst>
-              <a:ext uri="{FF2B5EF4-FFF2-40B4-BE49-F238E27FC236}">
-                <a16:creationId xmlns:a16="http://schemas.microsoft.com/office/drawing/2014/main" id="{62A26F1E-DD22-0830-EDC2-68D299107925}"/>
+            <a:endParaRPr lang="en-US"/>
+          </a:p>
+        </p:txBody>
+      </p:sp>
+      <p:sp>
+        <p:nvSpPr>
+          <p:cNvPr id="5" name="Footer Placeholder 4">
+            <a:extLst>
+              <a:ext uri="{FF2B5EF4-FFF2-40B4-BE49-F238E27FC236}">
+                <a16:creationId xmlns:a16="http://schemas.microsoft.com/office/drawing/2014/main" id="{CE0F4CF6-CDF1-4AFD-8319-71FD4FED4F8B}"/>
               </a:ext>
             </a:extLst>
           </p:cNvPr>
@@ -687,16 +707,16 @@
           <a:bodyPr/>
           <a:lstStyle/>
           <a:p>
-            <a:endParaRPr lang="de-DE"/>
-          </a:p>
-        </p:txBody>
-      </p:sp>
-      <p:sp>
-        <p:nvSpPr>
-          <p:cNvPr id="6" name="Foliennummernplatzhalter 5">
-            <a:extLst>
-              <a:ext uri="{FF2B5EF4-FFF2-40B4-BE49-F238E27FC236}">
-                <a16:creationId xmlns:a16="http://schemas.microsoft.com/office/drawing/2014/main" id="{7FB62E2D-3E62-3FB0-F921-D5A3FF742435}"/>
+            <a:endParaRPr lang="en-US"/>
+          </a:p>
+        </p:txBody>
+      </p:sp>
+      <p:sp>
+        <p:nvSpPr>
+          <p:cNvPr id="6" name="Slide Number Placeholder 5">
+            <a:extLst>
+              <a:ext uri="{FF2B5EF4-FFF2-40B4-BE49-F238E27FC236}">
+                <a16:creationId xmlns:a16="http://schemas.microsoft.com/office/drawing/2014/main" id="{2E01A026-57F4-47F7-B4F0-E0D48E01268E}"/>
               </a:ext>
             </a:extLst>
           </p:cNvPr>
@@ -712,18 +732,18 @@
           <a:bodyPr/>
           <a:lstStyle/>
           <a:p>
-            <a:fld id="{E21B1CCD-CEEE-47DD-8EBF-39550E763BCC}" type="slidenum">
-              <a:rPr lang="de-DE" smtClean="0"/>
+            <a:fld id="{D637F8FC-4B86-4690-8888-22AB2F781BEF}" type="slidenum">
+              <a:rPr lang="en-US" smtClean="0"/>
               <a:t>‹Nr.›</a:t>
             </a:fld>
-            <a:endParaRPr lang="de-DE"/>
+            <a:endParaRPr lang="en-US"/>
           </a:p>
         </p:txBody>
       </p:sp>
     </p:spTree>
     <p:extLst>
       <p:ext uri="{BB962C8B-B14F-4D97-AF65-F5344CB8AC3E}">
-        <p14:creationId xmlns:p14="http://schemas.microsoft.com/office/powerpoint/2010/main" val="3392945399"/>
+        <p14:creationId xmlns:p14="http://schemas.microsoft.com/office/powerpoint/2010/main" val="2748062030"/>
       </p:ext>
     </p:extLst>
   </p:cSld>
@@ -735,7 +755,7 @@
 
 <file path=ppt/slideLayouts/slideLayout2.xml><?xml version="1.0" encoding="utf-8"?>
 <p:sldLayout xmlns:a="http://schemas.openxmlformats.org/drawingml/2006/main" xmlns:r="http://schemas.openxmlformats.org/officeDocument/2006/relationships" xmlns:p="http://schemas.openxmlformats.org/presentationml/2006/main" type="obj" preserve="1">
-  <p:cSld name="Titel und Inhalt">
+  <p:cSld name="Title and Content">
     <p:spTree>
       <p:nvGrpSpPr>
         <p:cNvPr id="1" name=""/>
@@ -752,10 +772,10 @@
       </p:grpSpPr>
       <p:sp>
         <p:nvSpPr>
-          <p:cNvPr id="2" name="Titel 1">
-            <a:extLst>
-              <a:ext uri="{FF2B5EF4-FFF2-40B4-BE49-F238E27FC236}">
-                <a16:creationId xmlns:a16="http://schemas.microsoft.com/office/drawing/2014/main" id="{3315F44D-2308-C349-D20B-10AFA95DF881}"/>
+          <p:cNvPr id="2" name="Title 1">
+            <a:extLst>
+              <a:ext uri="{FF2B5EF4-FFF2-40B4-BE49-F238E27FC236}">
+                <a16:creationId xmlns:a16="http://schemas.microsoft.com/office/drawing/2014/main" id="{B62B3747-9ADB-4FCC-89CE-6E84D13475D3}"/>
               </a:ext>
             </a:extLst>
           </p:cNvPr>
@@ -772,18 +792,18 @@
           <a:lstStyle/>
           <a:p>
             <a:r>
-              <a:rPr lang="de-DE"/>
-              <a:t>Mastertitelformat bearbeiten</a:t>
-            </a:r>
-          </a:p>
-        </p:txBody>
-      </p:sp>
-      <p:sp>
-        <p:nvSpPr>
-          <p:cNvPr id="3" name="Inhaltsplatzhalter 2">
-            <a:extLst>
-              <a:ext uri="{FF2B5EF4-FFF2-40B4-BE49-F238E27FC236}">
-                <a16:creationId xmlns:a16="http://schemas.microsoft.com/office/drawing/2014/main" id="{228206AE-C722-8484-E44A-6D158E61DE0A}"/>
+              <a:rPr lang="en-US"/>
+              <a:t>Click to edit Master title style</a:t>
+            </a:r>
+          </a:p>
+        </p:txBody>
+      </p:sp>
+      <p:sp>
+        <p:nvSpPr>
+          <p:cNvPr id="3" name="Content Placeholder 2">
+            <a:extLst>
+              <a:ext uri="{FF2B5EF4-FFF2-40B4-BE49-F238E27FC236}">
+                <a16:creationId xmlns:a16="http://schemas.microsoft.com/office/drawing/2014/main" id="{6DAEC9C6-5D7D-4249-8820-D4C99D0AE825}"/>
               </a:ext>
             </a:extLst>
           </p:cNvPr>
@@ -801,46 +821,46 @@
           <a:p>
             <a:pPr lvl="0"/>
             <a:r>
-              <a:rPr lang="de-DE"/>
-              <a:t>Mastertextformat bearbeiten</a:t>
+              <a:rPr lang="en-US" dirty="0"/>
+              <a:t>Click to edit Master text styles</a:t>
             </a:r>
           </a:p>
           <a:p>
             <a:pPr lvl="1"/>
             <a:r>
-              <a:rPr lang="de-DE"/>
-              <a:t>Zweite Ebene</a:t>
+              <a:rPr lang="en-US" dirty="0"/>
+              <a:t>Second level</a:t>
             </a:r>
           </a:p>
           <a:p>
             <a:pPr lvl="2"/>
             <a:r>
-              <a:rPr lang="de-DE"/>
-              <a:t>Dritte Ebene</a:t>
+              <a:rPr lang="en-US" dirty="0"/>
+              <a:t>Third level</a:t>
             </a:r>
           </a:p>
           <a:p>
             <a:pPr lvl="3"/>
             <a:r>
-              <a:rPr lang="de-DE"/>
-              <a:t>Vierte Ebene</a:t>
+              <a:rPr lang="en-US" dirty="0"/>
+              <a:t>Fourth level</a:t>
             </a:r>
           </a:p>
           <a:p>
             <a:pPr lvl="4"/>
             <a:r>
-              <a:rPr lang="de-DE"/>
-              <a:t>Fünfte Ebene</a:t>
-            </a:r>
-          </a:p>
-        </p:txBody>
-      </p:sp>
-      <p:sp>
-        <p:nvSpPr>
-          <p:cNvPr id="4" name="Datumsplatzhalter 3">
-            <a:extLst>
-              <a:ext uri="{FF2B5EF4-FFF2-40B4-BE49-F238E27FC236}">
-                <a16:creationId xmlns:a16="http://schemas.microsoft.com/office/drawing/2014/main" id="{A74EEAC2-39DF-ACE6-F213-E3F8C9012C62}"/>
+              <a:rPr lang="en-US" dirty="0"/>
+              <a:t>Fifth level</a:t>
+            </a:r>
+          </a:p>
+        </p:txBody>
+      </p:sp>
+      <p:sp>
+        <p:nvSpPr>
+          <p:cNvPr id="4" name="Date Placeholder 3">
+            <a:extLst>
+              <a:ext uri="{FF2B5EF4-FFF2-40B4-BE49-F238E27FC236}">
+                <a16:creationId xmlns:a16="http://schemas.microsoft.com/office/drawing/2014/main" id="{421F35F7-46A1-40A9-ACD7-C4923992674A}"/>
               </a:ext>
             </a:extLst>
           </p:cNvPr>
@@ -856,20 +876,20 @@
           <a:bodyPr/>
           <a:lstStyle/>
           <a:p>
-            <a:fld id="{C318BFAD-CC80-4D77-AF3C-7ACD95D648DB}" type="datetimeFigureOut">
-              <a:rPr lang="de-DE" smtClean="0"/>
-              <a:t>06.07.2023</a:t>
+            <a:fld id="{B6D41BCC-AD73-4203-A5A6-E62EB28B0FE6}" type="datetimeFigureOut">
+              <a:rPr lang="en-US" smtClean="0"/>
+              <a:t>7/6/2023</a:t>
             </a:fld>
-            <a:endParaRPr lang="de-DE"/>
-          </a:p>
-        </p:txBody>
-      </p:sp>
-      <p:sp>
-        <p:nvSpPr>
-          <p:cNvPr id="5" name="Fußzeilenplatzhalter 4">
-            <a:extLst>
-              <a:ext uri="{FF2B5EF4-FFF2-40B4-BE49-F238E27FC236}">
-                <a16:creationId xmlns:a16="http://schemas.microsoft.com/office/drawing/2014/main" id="{D649BC9C-66CC-64BB-09D7-C5B7B4867DD9}"/>
+            <a:endParaRPr lang="en-US"/>
+          </a:p>
+        </p:txBody>
+      </p:sp>
+      <p:sp>
+        <p:nvSpPr>
+          <p:cNvPr id="5" name="Footer Placeholder 4">
+            <a:extLst>
+              <a:ext uri="{FF2B5EF4-FFF2-40B4-BE49-F238E27FC236}">
+                <a16:creationId xmlns:a16="http://schemas.microsoft.com/office/drawing/2014/main" id="{FA345637-B780-4999-A87D-0039BC5A945D}"/>
               </a:ext>
             </a:extLst>
           </p:cNvPr>
@@ -885,16 +905,16 @@
           <a:bodyPr/>
           <a:lstStyle/>
           <a:p>
-            <a:endParaRPr lang="de-DE"/>
-          </a:p>
-        </p:txBody>
-      </p:sp>
-      <p:sp>
-        <p:nvSpPr>
-          <p:cNvPr id="6" name="Foliennummernplatzhalter 5">
-            <a:extLst>
-              <a:ext uri="{FF2B5EF4-FFF2-40B4-BE49-F238E27FC236}">
-                <a16:creationId xmlns:a16="http://schemas.microsoft.com/office/drawing/2014/main" id="{991DB4BC-C532-4D1A-EAE4-636E14005F7C}"/>
+            <a:endParaRPr lang="en-US"/>
+          </a:p>
+        </p:txBody>
+      </p:sp>
+      <p:sp>
+        <p:nvSpPr>
+          <p:cNvPr id="6" name="Slide Number Placeholder 5">
+            <a:extLst>
+              <a:ext uri="{FF2B5EF4-FFF2-40B4-BE49-F238E27FC236}">
+                <a16:creationId xmlns:a16="http://schemas.microsoft.com/office/drawing/2014/main" id="{5CD9777F-E471-4CC5-B27B-137CB061E28E}"/>
               </a:ext>
             </a:extLst>
           </p:cNvPr>
@@ -910,18 +930,18 @@
           <a:bodyPr/>
           <a:lstStyle/>
           <a:p>
-            <a:fld id="{E21B1CCD-CEEE-47DD-8EBF-39550E763BCC}" type="slidenum">
-              <a:rPr lang="de-DE" smtClean="0"/>
+            <a:fld id="{D637F8FC-4B86-4690-8888-22AB2F781BEF}" type="slidenum">
+              <a:rPr lang="en-US" smtClean="0"/>
               <a:t>‹Nr.›</a:t>
             </a:fld>
-            <a:endParaRPr lang="de-DE"/>
+            <a:endParaRPr lang="en-US"/>
           </a:p>
         </p:txBody>
       </p:sp>
     </p:spTree>
     <p:extLst>
       <p:ext uri="{BB962C8B-B14F-4D97-AF65-F5344CB8AC3E}">
-        <p14:creationId xmlns:p14="http://schemas.microsoft.com/office/powerpoint/2010/main" val="765476462"/>
+        <p14:creationId xmlns:p14="http://schemas.microsoft.com/office/powerpoint/2010/main" val="3254273197"/>
       </p:ext>
     </p:extLst>
   </p:cSld>
@@ -933,7 +953,7 @@
 
 <file path=ppt/slideLayouts/slideLayout3.xml><?xml version="1.0" encoding="utf-8"?>
 <p:sldLayout xmlns:a="http://schemas.openxmlformats.org/drawingml/2006/main" xmlns:r="http://schemas.openxmlformats.org/officeDocument/2006/relationships" xmlns:p="http://schemas.openxmlformats.org/presentationml/2006/main" type="secHead" preserve="1">
-  <p:cSld name="Abschnitts-&#10;überschrift">
+  <p:cSld name="Section Header">
     <p:spTree>
       <p:nvGrpSpPr>
         <p:cNvPr id="1" name=""/>
@@ -950,10 +970,10 @@
       </p:grpSpPr>
       <p:sp>
         <p:nvSpPr>
-          <p:cNvPr id="2" name="Titel 1">
-            <a:extLst>
-              <a:ext uri="{FF2B5EF4-FFF2-40B4-BE49-F238E27FC236}">
-                <a16:creationId xmlns:a16="http://schemas.microsoft.com/office/drawing/2014/main" id="{89F55565-73C5-93C0-BBB6-7B6E19A9F9C8}"/>
+          <p:cNvPr id="2" name="Title 1">
+            <a:extLst>
+              <a:ext uri="{FF2B5EF4-FFF2-40B4-BE49-F238E27FC236}">
+                <a16:creationId xmlns:a16="http://schemas.microsoft.com/office/drawing/2014/main" id="{5FBDCB1D-064E-46DE-B533-7CDA331EEB61}"/>
               </a:ext>
             </a:extLst>
           </p:cNvPr>
@@ -966,31 +986,33 @@
         </p:nvSpPr>
         <p:spPr>
           <a:xfrm>
-            <a:off x="831850" y="1709738"/>
-            <a:ext cx="10515600" cy="2852737"/>
+            <a:off x="1638300" y="2748406"/>
+            <a:ext cx="8115300" cy="2737994"/>
           </a:xfrm>
         </p:spPr>
         <p:txBody>
-          <a:bodyPr anchor="b"/>
+          <a:bodyPr anchor="b">
+            <a:normAutofit/>
+          </a:bodyPr>
           <a:lstStyle>
             <a:lvl1pPr>
-              <a:defRPr sz="6000"/>
+              <a:defRPr sz="5400"/>
             </a:lvl1pPr>
           </a:lstStyle>
           <a:p>
             <a:r>
-              <a:rPr lang="de-DE"/>
-              <a:t>Mastertitelformat bearbeiten</a:t>
-            </a:r>
-          </a:p>
-        </p:txBody>
-      </p:sp>
-      <p:sp>
-        <p:nvSpPr>
-          <p:cNvPr id="3" name="Textplatzhalter 2">
-            <a:extLst>
-              <a:ext uri="{FF2B5EF4-FFF2-40B4-BE49-F238E27FC236}">
-                <a16:creationId xmlns:a16="http://schemas.microsoft.com/office/drawing/2014/main" id="{21A87FA7-980E-74FA-0ABB-C506802096D3}"/>
+              <a:rPr lang="en-US" dirty="0"/>
+              <a:t>Click to edit Master title style</a:t>
+            </a:r>
+          </a:p>
+        </p:txBody>
+      </p:sp>
+      <p:sp>
+        <p:nvSpPr>
+          <p:cNvPr id="3" name="Text Placeholder 2">
+            <a:extLst>
+              <a:ext uri="{FF2B5EF4-FFF2-40B4-BE49-F238E27FC236}">
+                <a16:creationId xmlns:a16="http://schemas.microsoft.com/office/drawing/2014/main" id="{5FD222C0-D002-4A94-BAFF-FD1A1CCA64CE}"/>
               </a:ext>
             </a:extLst>
           </p:cNvPr>
@@ -1003,20 +1025,20 @@
         </p:nvSpPr>
         <p:spPr>
           <a:xfrm>
-            <a:off x="831850" y="4589463"/>
-            <a:ext cx="10515600" cy="1500187"/>
+            <a:off x="1638300" y="1371600"/>
+            <a:ext cx="8115300" cy="1333272"/>
           </a:xfrm>
         </p:spPr>
         <p:txBody>
-          <a:bodyPr/>
+          <a:bodyPr>
+            <a:normAutofit/>
+          </a:bodyPr>
           <a:lstStyle>
             <a:lvl1pPr marL="0" indent="0">
               <a:buNone/>
-              <a:defRPr sz="2400">
+              <a:defRPr sz="2000">
                 <a:solidFill>
-                  <a:schemeClr val="tx1">
-                    <a:tint val="75000"/>
-                  </a:schemeClr>
+                  <a:schemeClr val="tx1"/>
                 </a:solidFill>
               </a:defRPr>
             </a:lvl1pPr>
@@ -1104,18 +1126,18 @@
           <a:p>
             <a:pPr lvl="0"/>
             <a:r>
-              <a:rPr lang="de-DE"/>
-              <a:t>Mastertextformat bearbeiten</a:t>
-            </a:r>
-          </a:p>
-        </p:txBody>
-      </p:sp>
-      <p:sp>
-        <p:nvSpPr>
-          <p:cNvPr id="4" name="Datumsplatzhalter 3">
-            <a:extLst>
-              <a:ext uri="{FF2B5EF4-FFF2-40B4-BE49-F238E27FC236}">
-                <a16:creationId xmlns:a16="http://schemas.microsoft.com/office/drawing/2014/main" id="{D32C41DA-33B9-A733-FC0E-18D2C8540097}"/>
+              <a:rPr lang="en-US" dirty="0"/>
+              <a:t>Click to edit Master text styles</a:t>
+            </a:r>
+          </a:p>
+        </p:txBody>
+      </p:sp>
+      <p:sp>
+        <p:nvSpPr>
+          <p:cNvPr id="4" name="Date Placeholder 3">
+            <a:extLst>
+              <a:ext uri="{FF2B5EF4-FFF2-40B4-BE49-F238E27FC236}">
+                <a16:creationId xmlns:a16="http://schemas.microsoft.com/office/drawing/2014/main" id="{353E7D7E-EC9F-4AA5-A559-EF556C6AD5EE}"/>
               </a:ext>
             </a:extLst>
           </p:cNvPr>
@@ -1131,20 +1153,20 @@
           <a:bodyPr/>
           <a:lstStyle/>
           <a:p>
-            <a:fld id="{C318BFAD-CC80-4D77-AF3C-7ACD95D648DB}" type="datetimeFigureOut">
-              <a:rPr lang="de-DE" smtClean="0"/>
-              <a:t>06.07.2023</a:t>
+            <a:fld id="{B6D41BCC-AD73-4203-A5A6-E62EB28B0FE6}" type="datetimeFigureOut">
+              <a:rPr lang="en-US" smtClean="0"/>
+              <a:t>7/6/2023</a:t>
             </a:fld>
-            <a:endParaRPr lang="de-DE"/>
-          </a:p>
-        </p:txBody>
-      </p:sp>
-      <p:sp>
-        <p:nvSpPr>
-          <p:cNvPr id="5" name="Fußzeilenplatzhalter 4">
-            <a:extLst>
-              <a:ext uri="{FF2B5EF4-FFF2-40B4-BE49-F238E27FC236}">
-                <a16:creationId xmlns:a16="http://schemas.microsoft.com/office/drawing/2014/main" id="{CD7F811A-C4D4-7A90-1168-BE922E7B9F0E}"/>
+            <a:endParaRPr lang="en-US"/>
+          </a:p>
+        </p:txBody>
+      </p:sp>
+      <p:sp>
+        <p:nvSpPr>
+          <p:cNvPr id="5" name="Footer Placeholder 4">
+            <a:extLst>
+              <a:ext uri="{FF2B5EF4-FFF2-40B4-BE49-F238E27FC236}">
+                <a16:creationId xmlns:a16="http://schemas.microsoft.com/office/drawing/2014/main" id="{2677A8EE-88C1-400C-A23F-656DC76B957C}"/>
               </a:ext>
             </a:extLst>
           </p:cNvPr>
@@ -1160,16 +1182,16 @@
           <a:bodyPr/>
           <a:lstStyle/>
           <a:p>
-            <a:endParaRPr lang="de-DE"/>
-          </a:p>
-        </p:txBody>
-      </p:sp>
-      <p:sp>
-        <p:nvSpPr>
-          <p:cNvPr id="6" name="Foliennummernplatzhalter 5">
-            <a:extLst>
-              <a:ext uri="{FF2B5EF4-FFF2-40B4-BE49-F238E27FC236}">
-                <a16:creationId xmlns:a16="http://schemas.microsoft.com/office/drawing/2014/main" id="{F2D8D625-236D-8FF8-48C4-512B52DB49C1}"/>
+            <a:endParaRPr lang="en-US"/>
+          </a:p>
+        </p:txBody>
+      </p:sp>
+      <p:sp>
+        <p:nvSpPr>
+          <p:cNvPr id="6" name="Slide Number Placeholder 5">
+            <a:extLst>
+              <a:ext uri="{FF2B5EF4-FFF2-40B4-BE49-F238E27FC236}">
+                <a16:creationId xmlns:a16="http://schemas.microsoft.com/office/drawing/2014/main" id="{23C245A4-F9C6-44E9-929F-78C657C8B651}"/>
               </a:ext>
             </a:extLst>
           </p:cNvPr>
@@ -1185,18 +1207,18 @@
           <a:bodyPr/>
           <a:lstStyle/>
           <a:p>
-            <a:fld id="{E21B1CCD-CEEE-47DD-8EBF-39550E763BCC}" type="slidenum">
-              <a:rPr lang="de-DE" smtClean="0"/>
+            <a:fld id="{D637F8FC-4B86-4690-8888-22AB2F781BEF}" type="slidenum">
+              <a:rPr lang="en-US" smtClean="0"/>
               <a:t>‹Nr.›</a:t>
             </a:fld>
-            <a:endParaRPr lang="de-DE"/>
+            <a:endParaRPr lang="en-US"/>
           </a:p>
         </p:txBody>
       </p:sp>
     </p:spTree>
     <p:extLst>
       <p:ext uri="{BB962C8B-B14F-4D97-AF65-F5344CB8AC3E}">
-        <p14:creationId xmlns:p14="http://schemas.microsoft.com/office/powerpoint/2010/main" val="495884992"/>
+        <p14:creationId xmlns:p14="http://schemas.microsoft.com/office/powerpoint/2010/main" val="3154868035"/>
       </p:ext>
     </p:extLst>
   </p:cSld>
@@ -1208,7 +1230,7 @@
 
 <file path=ppt/slideLayouts/slideLayout4.xml><?xml version="1.0" encoding="utf-8"?>
 <p:sldLayout xmlns:a="http://schemas.openxmlformats.org/drawingml/2006/main" xmlns:r="http://schemas.openxmlformats.org/officeDocument/2006/relationships" xmlns:p="http://schemas.openxmlformats.org/presentationml/2006/main" type="twoObj" preserve="1">
-  <p:cSld name="Zwei Inhalte">
+  <p:cSld name="Two Content">
     <p:spTree>
       <p:nvGrpSpPr>
         <p:cNvPr id="1" name=""/>
@@ -1225,10 +1247,10 @@
       </p:grpSpPr>
       <p:sp>
         <p:nvSpPr>
-          <p:cNvPr id="2" name="Titel 1">
-            <a:extLst>
-              <a:ext uri="{FF2B5EF4-FFF2-40B4-BE49-F238E27FC236}">
-                <a16:creationId xmlns:a16="http://schemas.microsoft.com/office/drawing/2014/main" id="{0DC95015-8B3C-3BE8-41FC-0BFB886F676E}"/>
+          <p:cNvPr id="2" name="Title 1">
+            <a:extLst>
+              <a:ext uri="{FF2B5EF4-FFF2-40B4-BE49-F238E27FC236}">
+                <a16:creationId xmlns:a16="http://schemas.microsoft.com/office/drawing/2014/main" id="{C30DF34F-B65E-4FA0-87E8-8890F482B383}"/>
               </a:ext>
             </a:extLst>
           </p:cNvPr>
@@ -1237,102 +1259,45 @@
           </p:cNvSpPr>
           <p:nvPr>
             <p:ph type="title"/>
-          </p:nvPr>
-        </p:nvSpPr>
-        <p:spPr/>
-        <p:txBody>
-          <a:bodyPr/>
-          <a:lstStyle/>
-          <a:p>
-            <a:r>
-              <a:rPr lang="de-DE"/>
-              <a:t>Mastertitelformat bearbeiten</a:t>
-            </a:r>
-          </a:p>
-        </p:txBody>
-      </p:sp>
-      <p:sp>
-        <p:nvSpPr>
-          <p:cNvPr id="3" name="Inhaltsplatzhalter 2">
-            <a:extLst>
-              <a:ext uri="{FF2B5EF4-FFF2-40B4-BE49-F238E27FC236}">
-                <a16:creationId xmlns:a16="http://schemas.microsoft.com/office/drawing/2014/main" id="{ACC9E2D2-36B4-7B3D-45FF-348BD4E8FF12}"/>
-              </a:ext>
-            </a:extLst>
-          </p:cNvPr>
-          <p:cNvSpPr>
-            <a:spLocks noGrp="1"/>
-          </p:cNvSpPr>
-          <p:nvPr>
-            <p:ph sz="half" idx="1"/>
           </p:nvPr>
         </p:nvSpPr>
         <p:spPr>
           <a:xfrm>
-            <a:off x="838200" y="1825625"/>
-            <a:ext cx="5181600" cy="4351338"/>
+            <a:off x="1638299" y="685800"/>
+            <a:ext cx="9382348" cy="1371600"/>
           </a:xfrm>
         </p:spPr>
         <p:txBody>
           <a:bodyPr/>
           <a:lstStyle/>
           <a:p>
-            <a:pPr lvl="0"/>
-            <a:r>
-              <a:rPr lang="de-DE"/>
-              <a:t>Mastertextformat bearbeiten</a:t>
-            </a:r>
-          </a:p>
-          <a:p>
-            <a:pPr lvl="1"/>
-            <a:r>
-              <a:rPr lang="de-DE"/>
-              <a:t>Zweite Ebene</a:t>
-            </a:r>
-          </a:p>
-          <a:p>
-            <a:pPr lvl="2"/>
-            <a:r>
-              <a:rPr lang="de-DE"/>
-              <a:t>Dritte Ebene</a:t>
-            </a:r>
-          </a:p>
-          <a:p>
-            <a:pPr lvl="3"/>
-            <a:r>
-              <a:rPr lang="de-DE"/>
-              <a:t>Vierte Ebene</a:t>
-            </a:r>
-          </a:p>
-          <a:p>
-            <a:pPr lvl="4"/>
-            <a:r>
-              <a:rPr lang="de-DE"/>
-              <a:t>Fünfte Ebene</a:t>
-            </a:r>
-          </a:p>
-        </p:txBody>
-      </p:sp>
-      <p:sp>
-        <p:nvSpPr>
-          <p:cNvPr id="4" name="Inhaltsplatzhalter 3">
-            <a:extLst>
-              <a:ext uri="{FF2B5EF4-FFF2-40B4-BE49-F238E27FC236}">
-                <a16:creationId xmlns:a16="http://schemas.microsoft.com/office/drawing/2014/main" id="{6CD735F4-B40D-774B-CAA4-D044684F4BCC}"/>
-              </a:ext>
-            </a:extLst>
-          </p:cNvPr>
-          <p:cNvSpPr>
-            <a:spLocks noGrp="1"/>
-          </p:cNvSpPr>
-          <p:nvPr>
-            <p:ph sz="half" idx="2"/>
+            <a:r>
+              <a:rPr lang="en-US" dirty="0"/>
+              <a:t>Click to edit Master title style</a:t>
+            </a:r>
+          </a:p>
+        </p:txBody>
+      </p:sp>
+      <p:sp>
+        <p:nvSpPr>
+          <p:cNvPr id="3" name="Content Placeholder 2">
+            <a:extLst>
+              <a:ext uri="{FF2B5EF4-FFF2-40B4-BE49-F238E27FC236}">
+                <a16:creationId xmlns:a16="http://schemas.microsoft.com/office/drawing/2014/main" id="{0D625A67-10CA-4531-93E1-39892C087E0B}"/>
+              </a:ext>
+            </a:extLst>
+          </p:cNvPr>
+          <p:cNvSpPr>
+            <a:spLocks noGrp="1"/>
+          </p:cNvSpPr>
+          <p:nvPr>
+            <p:ph sz="half" idx="1"/>
           </p:nvPr>
         </p:nvSpPr>
         <p:spPr>
           <a:xfrm>
-            <a:off x="6172200" y="1825625"/>
-            <a:ext cx="5181600" cy="4351338"/>
+            <a:off x="1638297" y="2057400"/>
+            <a:ext cx="4553103" cy="4125038"/>
           </a:xfrm>
         </p:spPr>
         <p:txBody>
@@ -1341,46 +1306,108 @@
           <a:p>
             <a:pPr lvl="0"/>
             <a:r>
-              <a:rPr lang="de-DE"/>
-              <a:t>Mastertextformat bearbeiten</a:t>
+              <a:rPr lang="en-US" dirty="0"/>
+              <a:t>Click to edit Master text styles</a:t>
             </a:r>
           </a:p>
           <a:p>
             <a:pPr lvl="1"/>
             <a:r>
-              <a:rPr lang="de-DE"/>
-              <a:t>Zweite Ebene</a:t>
+              <a:rPr lang="en-US" dirty="0"/>
+              <a:t>Second level</a:t>
             </a:r>
           </a:p>
           <a:p>
             <a:pPr lvl="2"/>
             <a:r>
-              <a:rPr lang="de-DE"/>
-              <a:t>Dritte Ebene</a:t>
+              <a:rPr lang="en-US" dirty="0"/>
+              <a:t>Third level</a:t>
             </a:r>
           </a:p>
           <a:p>
             <a:pPr lvl="3"/>
             <a:r>
-              <a:rPr lang="de-DE"/>
-              <a:t>Vierte Ebene</a:t>
+              <a:rPr lang="en-US" dirty="0"/>
+              <a:t>Fourth level</a:t>
             </a:r>
           </a:p>
           <a:p>
             <a:pPr lvl="4"/>
             <a:r>
-              <a:rPr lang="de-DE"/>
-              <a:t>Fünfte Ebene</a:t>
-            </a:r>
-          </a:p>
-        </p:txBody>
-      </p:sp>
-      <p:sp>
-        <p:nvSpPr>
-          <p:cNvPr id="5" name="Datumsplatzhalter 4">
-            <a:extLst>
-              <a:ext uri="{FF2B5EF4-FFF2-40B4-BE49-F238E27FC236}">
-                <a16:creationId xmlns:a16="http://schemas.microsoft.com/office/drawing/2014/main" id="{4C173C25-8573-7BE0-0207-AB0EA5BB71AD}"/>
+              <a:rPr lang="en-US" dirty="0"/>
+              <a:t>Fifth level</a:t>
+            </a:r>
+          </a:p>
+        </p:txBody>
+      </p:sp>
+      <p:sp>
+        <p:nvSpPr>
+          <p:cNvPr id="4" name="Content Placeholder 3">
+            <a:extLst>
+              <a:ext uri="{FF2B5EF4-FFF2-40B4-BE49-F238E27FC236}">
+                <a16:creationId xmlns:a16="http://schemas.microsoft.com/office/drawing/2014/main" id="{A622BE36-0CAF-4D92-9AC2-9249276B96F2}"/>
+              </a:ext>
+            </a:extLst>
+          </p:cNvPr>
+          <p:cNvSpPr>
+            <a:spLocks noGrp="1"/>
+          </p:cNvSpPr>
+          <p:nvPr>
+            <p:ph sz="half" idx="2"/>
+          </p:nvPr>
+        </p:nvSpPr>
+        <p:spPr>
+          <a:xfrm>
+            <a:off x="6477000" y="2057400"/>
+            <a:ext cx="4543647" cy="4125038"/>
+          </a:xfrm>
+        </p:spPr>
+        <p:txBody>
+          <a:bodyPr/>
+          <a:lstStyle/>
+          <a:p>
+            <a:pPr lvl="0"/>
+            <a:r>
+              <a:rPr lang="en-US"/>
+              <a:t>Click to edit Master text styles</a:t>
+            </a:r>
+          </a:p>
+          <a:p>
+            <a:pPr lvl="1"/>
+            <a:r>
+              <a:rPr lang="en-US"/>
+              <a:t>Second level</a:t>
+            </a:r>
+          </a:p>
+          <a:p>
+            <a:pPr lvl="2"/>
+            <a:r>
+              <a:rPr lang="en-US"/>
+              <a:t>Third level</a:t>
+            </a:r>
+          </a:p>
+          <a:p>
+            <a:pPr lvl="3"/>
+            <a:r>
+              <a:rPr lang="en-US"/>
+              <a:t>Fourth level</a:t>
+            </a:r>
+          </a:p>
+          <a:p>
+            <a:pPr lvl="4"/>
+            <a:r>
+              <a:rPr lang="en-US"/>
+              <a:t>Fifth level</a:t>
+            </a:r>
+          </a:p>
+        </p:txBody>
+      </p:sp>
+      <p:sp>
+        <p:nvSpPr>
+          <p:cNvPr id="5" name="Date Placeholder 4">
+            <a:extLst>
+              <a:ext uri="{FF2B5EF4-FFF2-40B4-BE49-F238E27FC236}">
+                <a16:creationId xmlns:a16="http://schemas.microsoft.com/office/drawing/2014/main" id="{53C36479-3B04-43BD-9B59-DBF6CA2BF814}"/>
               </a:ext>
             </a:extLst>
           </p:cNvPr>
@@ -1396,20 +1423,20 @@
           <a:bodyPr/>
           <a:lstStyle/>
           <a:p>
-            <a:fld id="{C318BFAD-CC80-4D77-AF3C-7ACD95D648DB}" type="datetimeFigureOut">
-              <a:rPr lang="de-DE" smtClean="0"/>
-              <a:t>06.07.2023</a:t>
+            <a:fld id="{B6D41BCC-AD73-4203-A5A6-E62EB28B0FE6}" type="datetimeFigureOut">
+              <a:rPr lang="en-US" smtClean="0"/>
+              <a:t>7/6/2023</a:t>
             </a:fld>
-            <a:endParaRPr lang="de-DE"/>
-          </a:p>
-        </p:txBody>
-      </p:sp>
-      <p:sp>
-        <p:nvSpPr>
-          <p:cNvPr id="6" name="Fußzeilenplatzhalter 5">
-            <a:extLst>
-              <a:ext uri="{FF2B5EF4-FFF2-40B4-BE49-F238E27FC236}">
-                <a16:creationId xmlns:a16="http://schemas.microsoft.com/office/drawing/2014/main" id="{6CF11A05-9E78-7D77-FDF1-AC8A80204E66}"/>
+            <a:endParaRPr lang="en-US"/>
+          </a:p>
+        </p:txBody>
+      </p:sp>
+      <p:sp>
+        <p:nvSpPr>
+          <p:cNvPr id="6" name="Footer Placeholder 5">
+            <a:extLst>
+              <a:ext uri="{FF2B5EF4-FFF2-40B4-BE49-F238E27FC236}">
+                <a16:creationId xmlns:a16="http://schemas.microsoft.com/office/drawing/2014/main" id="{0CFD4449-57DB-41D2-B49E-694E7C13FA72}"/>
               </a:ext>
             </a:extLst>
           </p:cNvPr>
@@ -1425,16 +1452,16 @@
           <a:bodyPr/>
           <a:lstStyle/>
           <a:p>
-            <a:endParaRPr lang="de-DE"/>
-          </a:p>
-        </p:txBody>
-      </p:sp>
-      <p:sp>
-        <p:nvSpPr>
-          <p:cNvPr id="7" name="Foliennummernplatzhalter 6">
-            <a:extLst>
-              <a:ext uri="{FF2B5EF4-FFF2-40B4-BE49-F238E27FC236}">
-                <a16:creationId xmlns:a16="http://schemas.microsoft.com/office/drawing/2014/main" id="{A5BE1C83-D78D-44BE-F2CD-72BF0309960E}"/>
+            <a:endParaRPr lang="en-US"/>
+          </a:p>
+        </p:txBody>
+      </p:sp>
+      <p:sp>
+        <p:nvSpPr>
+          <p:cNvPr id="7" name="Slide Number Placeholder 6">
+            <a:extLst>
+              <a:ext uri="{FF2B5EF4-FFF2-40B4-BE49-F238E27FC236}">
+                <a16:creationId xmlns:a16="http://schemas.microsoft.com/office/drawing/2014/main" id="{3E60CC2C-E50B-47D2-B62F-D5C4C9CDA7E8}"/>
               </a:ext>
             </a:extLst>
           </p:cNvPr>
@@ -1450,18 +1477,18 @@
           <a:bodyPr/>
           <a:lstStyle/>
           <a:p>
-            <a:fld id="{E21B1CCD-CEEE-47DD-8EBF-39550E763BCC}" type="slidenum">
-              <a:rPr lang="de-DE" smtClean="0"/>
+            <a:fld id="{D637F8FC-4B86-4690-8888-22AB2F781BEF}" type="slidenum">
+              <a:rPr lang="en-US" smtClean="0"/>
               <a:t>‹Nr.›</a:t>
             </a:fld>
-            <a:endParaRPr lang="de-DE"/>
+            <a:endParaRPr lang="en-US"/>
           </a:p>
         </p:txBody>
       </p:sp>
     </p:spTree>
     <p:extLst>
       <p:ext uri="{BB962C8B-B14F-4D97-AF65-F5344CB8AC3E}">
-        <p14:creationId xmlns:p14="http://schemas.microsoft.com/office/powerpoint/2010/main" val="545383038"/>
+        <p14:creationId xmlns:p14="http://schemas.microsoft.com/office/powerpoint/2010/main" val="3821617836"/>
       </p:ext>
     </p:extLst>
   </p:cSld>
@@ -1473,7 +1500,7 @@
 
 <file path=ppt/slideLayouts/slideLayout5.xml><?xml version="1.0" encoding="utf-8"?>
 <p:sldLayout xmlns:a="http://schemas.openxmlformats.org/drawingml/2006/main" xmlns:r="http://schemas.openxmlformats.org/officeDocument/2006/relationships" xmlns:p="http://schemas.openxmlformats.org/presentationml/2006/main" type="twoTxTwoObj" preserve="1">
-  <p:cSld name="Vergleich">
+  <p:cSld name="Comparison">
     <p:spTree>
       <p:nvGrpSpPr>
         <p:cNvPr id="1" name=""/>
@@ -1490,10 +1517,10 @@
       </p:grpSpPr>
       <p:sp>
         <p:nvSpPr>
-          <p:cNvPr id="2" name="Titel 1">
-            <a:extLst>
-              <a:ext uri="{FF2B5EF4-FFF2-40B4-BE49-F238E27FC236}">
-                <a16:creationId xmlns:a16="http://schemas.microsoft.com/office/drawing/2014/main" id="{BFFDA27F-B14D-4287-47D6-A5E43B1957B9}"/>
+          <p:cNvPr id="2" name="Title 1">
+            <a:extLst>
+              <a:ext uri="{FF2B5EF4-FFF2-40B4-BE49-F238E27FC236}">
+                <a16:creationId xmlns:a16="http://schemas.microsoft.com/office/drawing/2014/main" id="{7948530B-D0F2-4FC4-A10F-1E54EF82C877}"/>
               </a:ext>
             </a:extLst>
           </p:cNvPr>
@@ -1506,8 +1533,8 @@
         </p:nvSpPr>
         <p:spPr>
           <a:xfrm>
-            <a:off x="839788" y="365125"/>
-            <a:ext cx="10515600" cy="1325563"/>
+            <a:off x="1638300" y="755118"/>
+            <a:ext cx="9378304" cy="1222765"/>
           </a:xfrm>
         </p:spPr>
         <p:txBody>
@@ -1515,18 +1542,18 @@
           <a:lstStyle/>
           <a:p>
             <a:r>
-              <a:rPr lang="de-DE"/>
-              <a:t>Mastertitelformat bearbeiten</a:t>
-            </a:r>
-          </a:p>
-        </p:txBody>
-      </p:sp>
-      <p:sp>
-        <p:nvSpPr>
-          <p:cNvPr id="3" name="Textplatzhalter 2">
-            <a:extLst>
-              <a:ext uri="{FF2B5EF4-FFF2-40B4-BE49-F238E27FC236}">
-                <a16:creationId xmlns:a16="http://schemas.microsoft.com/office/drawing/2014/main" id="{03902F9C-C6DC-368C-0350-C5857D621E1F}"/>
+              <a:rPr lang="en-US" dirty="0"/>
+              <a:t>Click to edit Master title style</a:t>
+            </a:r>
+          </a:p>
+        </p:txBody>
+      </p:sp>
+      <p:sp>
+        <p:nvSpPr>
+          <p:cNvPr id="3" name="Text Placeholder 2">
+            <a:extLst>
+              <a:ext uri="{FF2B5EF4-FFF2-40B4-BE49-F238E27FC236}">
+                <a16:creationId xmlns:a16="http://schemas.microsoft.com/office/drawing/2014/main" id="{1868865C-9D06-4FA3-BA3D-7187BB41B576}"/>
               </a:ext>
             </a:extLst>
           </p:cNvPr>
@@ -1539,16 +1566,18 @@
         </p:nvSpPr>
         <p:spPr>
           <a:xfrm>
-            <a:off x="839788" y="1681163"/>
-            <a:ext cx="5157787" cy="823912"/>
+            <a:off x="1638300" y="2034147"/>
+            <a:ext cx="4529391" cy="681591"/>
           </a:xfrm>
         </p:spPr>
         <p:txBody>
-          <a:bodyPr anchor="b"/>
+          <a:bodyPr anchor="b">
+            <a:normAutofit/>
+          </a:bodyPr>
           <a:lstStyle>
             <a:lvl1pPr marL="0" indent="0">
               <a:buNone/>
-              <a:defRPr sz="2400" b="1"/>
+              <a:defRPr sz="1800" b="1" cap="all" spc="200" baseline="0"/>
             </a:lvl1pPr>
             <a:lvl2pPr marL="457200" indent="0">
               <a:buNone/>
@@ -1586,18 +1615,18 @@
           <a:p>
             <a:pPr lvl="0"/>
             <a:r>
-              <a:rPr lang="de-DE"/>
-              <a:t>Mastertextformat bearbeiten</a:t>
-            </a:r>
-          </a:p>
-        </p:txBody>
-      </p:sp>
-      <p:sp>
-        <p:nvSpPr>
-          <p:cNvPr id="4" name="Inhaltsplatzhalter 3">
-            <a:extLst>
-              <a:ext uri="{FF2B5EF4-FFF2-40B4-BE49-F238E27FC236}">
-                <a16:creationId xmlns:a16="http://schemas.microsoft.com/office/drawing/2014/main" id="{6C24FBC3-BE8F-71DA-0C33-DEF783AD156A}"/>
+              <a:rPr lang="en-US" dirty="0"/>
+              <a:t>Click to edit Master text styles</a:t>
+            </a:r>
+          </a:p>
+        </p:txBody>
+      </p:sp>
+      <p:sp>
+        <p:nvSpPr>
+          <p:cNvPr id="4" name="Content Placeholder 3">
+            <a:extLst>
+              <a:ext uri="{FF2B5EF4-FFF2-40B4-BE49-F238E27FC236}">
+                <a16:creationId xmlns:a16="http://schemas.microsoft.com/office/drawing/2014/main" id="{3F656570-8F97-4B7E-A805-96925AC4781F}"/>
               </a:ext>
             </a:extLst>
           </p:cNvPr>
@@ -1610,8 +1639,8 @@
         </p:nvSpPr>
         <p:spPr>
           <a:xfrm>
-            <a:off x="839788" y="2505075"/>
-            <a:ext cx="5157787" cy="3684588"/>
+            <a:off x="1638300" y="2748405"/>
+            <a:ext cx="4529391" cy="3441257"/>
           </a:xfrm>
         </p:spPr>
         <p:txBody>
@@ -1620,46 +1649,46 @@
           <a:p>
             <a:pPr lvl="0"/>
             <a:r>
-              <a:rPr lang="de-DE"/>
-              <a:t>Mastertextformat bearbeiten</a:t>
+              <a:rPr lang="en-US" dirty="0"/>
+              <a:t>Click to edit Master text styles</a:t>
             </a:r>
           </a:p>
           <a:p>
             <a:pPr lvl="1"/>
             <a:r>
-              <a:rPr lang="de-DE"/>
-              <a:t>Zweite Ebene</a:t>
+              <a:rPr lang="en-US" dirty="0"/>
+              <a:t>Second level</a:t>
             </a:r>
           </a:p>
           <a:p>
             <a:pPr lvl="2"/>
             <a:r>
-              <a:rPr lang="de-DE"/>
-              <a:t>Dritte Ebene</a:t>
+              <a:rPr lang="en-US" dirty="0"/>
+              <a:t>Third level</a:t>
             </a:r>
           </a:p>
           <a:p>
             <a:pPr lvl="3"/>
             <a:r>
-              <a:rPr lang="de-DE"/>
-              <a:t>Vierte Ebene</a:t>
+              <a:rPr lang="en-US" dirty="0"/>
+              <a:t>Fourth level</a:t>
             </a:r>
           </a:p>
           <a:p>
             <a:pPr lvl="4"/>
             <a:r>
-              <a:rPr lang="de-DE"/>
-              <a:t>Fünfte Ebene</a:t>
-            </a:r>
-          </a:p>
-        </p:txBody>
-      </p:sp>
-      <p:sp>
-        <p:nvSpPr>
-          <p:cNvPr id="5" name="Textplatzhalter 4">
-            <a:extLst>
-              <a:ext uri="{FF2B5EF4-FFF2-40B4-BE49-F238E27FC236}">
-                <a16:creationId xmlns:a16="http://schemas.microsoft.com/office/drawing/2014/main" id="{4F428466-F82C-0EBB-05AB-AD71DF8EE138}"/>
+              <a:rPr lang="en-US" dirty="0"/>
+              <a:t>Fifth level</a:t>
+            </a:r>
+          </a:p>
+        </p:txBody>
+      </p:sp>
+      <p:sp>
+        <p:nvSpPr>
+          <p:cNvPr id="5" name="Text Placeholder 4">
+            <a:extLst>
+              <a:ext uri="{FF2B5EF4-FFF2-40B4-BE49-F238E27FC236}">
+                <a16:creationId xmlns:a16="http://schemas.microsoft.com/office/drawing/2014/main" id="{4057EF54-F63F-4730-99EE-0E472578F512}"/>
               </a:ext>
             </a:extLst>
           </p:cNvPr>
@@ -1672,16 +1701,18 @@
         </p:nvSpPr>
         <p:spPr>
           <a:xfrm>
-            <a:off x="6172200" y="1681163"/>
-            <a:ext cx="5183188" cy="823912"/>
+            <a:off x="6487213" y="2034147"/>
+            <a:ext cx="4529391" cy="681591"/>
           </a:xfrm>
         </p:spPr>
         <p:txBody>
-          <a:bodyPr anchor="b"/>
+          <a:bodyPr anchor="b">
+            <a:normAutofit/>
+          </a:bodyPr>
           <a:lstStyle>
             <a:lvl1pPr marL="0" indent="0">
               <a:buNone/>
-              <a:defRPr sz="2400" b="1"/>
+              <a:defRPr sz="1800" b="1" cap="all" spc="200" baseline="0"/>
             </a:lvl1pPr>
             <a:lvl2pPr marL="457200" indent="0">
               <a:buNone/>
@@ -1719,18 +1750,18 @@
           <a:p>
             <a:pPr lvl="0"/>
             <a:r>
-              <a:rPr lang="de-DE"/>
-              <a:t>Mastertextformat bearbeiten</a:t>
-            </a:r>
-          </a:p>
-        </p:txBody>
-      </p:sp>
-      <p:sp>
-        <p:nvSpPr>
-          <p:cNvPr id="6" name="Inhaltsplatzhalter 5">
-            <a:extLst>
-              <a:ext uri="{FF2B5EF4-FFF2-40B4-BE49-F238E27FC236}">
-                <a16:creationId xmlns:a16="http://schemas.microsoft.com/office/drawing/2014/main" id="{05ABFD40-532D-D30E-768A-2FCB2D027735}"/>
+              <a:rPr lang="en-US" dirty="0"/>
+              <a:t>Click to edit Master text styles</a:t>
+            </a:r>
+          </a:p>
+        </p:txBody>
+      </p:sp>
+      <p:sp>
+        <p:nvSpPr>
+          <p:cNvPr id="6" name="Content Placeholder 5">
+            <a:extLst>
+              <a:ext uri="{FF2B5EF4-FFF2-40B4-BE49-F238E27FC236}">
+                <a16:creationId xmlns:a16="http://schemas.microsoft.com/office/drawing/2014/main" id="{5908453E-B012-4889-9F49-E1351532ADF2}"/>
               </a:ext>
             </a:extLst>
           </p:cNvPr>
@@ -1743,8 +1774,8 @@
         </p:nvSpPr>
         <p:spPr>
           <a:xfrm>
-            <a:off x="6172200" y="2505075"/>
-            <a:ext cx="5183188" cy="3684588"/>
+            <a:off x="6487213" y="2748405"/>
+            <a:ext cx="4529391" cy="3441257"/>
           </a:xfrm>
         </p:spPr>
         <p:txBody>
@@ -1753,46 +1784,46 @@
           <a:p>
             <a:pPr lvl="0"/>
             <a:r>
-              <a:rPr lang="de-DE"/>
-              <a:t>Mastertextformat bearbeiten</a:t>
+              <a:rPr lang="en-US" dirty="0"/>
+              <a:t>Click to edit Master text styles</a:t>
             </a:r>
           </a:p>
           <a:p>
             <a:pPr lvl="1"/>
             <a:r>
-              <a:rPr lang="de-DE"/>
-              <a:t>Zweite Ebene</a:t>
+              <a:rPr lang="en-US" dirty="0"/>
+              <a:t>Second level</a:t>
             </a:r>
           </a:p>
           <a:p>
             <a:pPr lvl="2"/>
             <a:r>
-              <a:rPr lang="de-DE"/>
-              <a:t>Dritte Ebene</a:t>
+              <a:rPr lang="en-US" dirty="0"/>
+              <a:t>Third level</a:t>
             </a:r>
           </a:p>
           <a:p>
             <a:pPr lvl="3"/>
             <a:r>
-              <a:rPr lang="de-DE"/>
-              <a:t>Vierte Ebene</a:t>
+              <a:rPr lang="en-US" dirty="0"/>
+              <a:t>Fourth level</a:t>
             </a:r>
           </a:p>
           <a:p>
             <a:pPr lvl="4"/>
             <a:r>
-              <a:rPr lang="de-DE"/>
-              <a:t>Fünfte Ebene</a:t>
-            </a:r>
-          </a:p>
-        </p:txBody>
-      </p:sp>
-      <p:sp>
-        <p:nvSpPr>
-          <p:cNvPr id="7" name="Datumsplatzhalter 6">
-            <a:extLst>
-              <a:ext uri="{FF2B5EF4-FFF2-40B4-BE49-F238E27FC236}">
-                <a16:creationId xmlns:a16="http://schemas.microsoft.com/office/drawing/2014/main" id="{E0B1E0DD-6B52-387D-A6E6-E2CEFE731810}"/>
+              <a:rPr lang="en-US" dirty="0"/>
+              <a:t>Fifth level</a:t>
+            </a:r>
+          </a:p>
+        </p:txBody>
+      </p:sp>
+      <p:sp>
+        <p:nvSpPr>
+          <p:cNvPr id="7" name="Date Placeholder 6">
+            <a:extLst>
+              <a:ext uri="{FF2B5EF4-FFF2-40B4-BE49-F238E27FC236}">
+                <a16:creationId xmlns:a16="http://schemas.microsoft.com/office/drawing/2014/main" id="{E89FC47A-8514-4C98-B1BE-FF6CC666C580}"/>
               </a:ext>
             </a:extLst>
           </p:cNvPr>
@@ -1808,20 +1839,20 @@
           <a:bodyPr/>
           <a:lstStyle/>
           <a:p>
-            <a:fld id="{C318BFAD-CC80-4D77-AF3C-7ACD95D648DB}" type="datetimeFigureOut">
-              <a:rPr lang="de-DE" smtClean="0"/>
-              <a:t>06.07.2023</a:t>
+            <a:fld id="{B6D41BCC-AD73-4203-A5A6-E62EB28B0FE6}" type="datetimeFigureOut">
+              <a:rPr lang="en-US" smtClean="0"/>
+              <a:t>7/6/2023</a:t>
             </a:fld>
-            <a:endParaRPr lang="de-DE"/>
-          </a:p>
-        </p:txBody>
-      </p:sp>
-      <p:sp>
-        <p:nvSpPr>
-          <p:cNvPr id="8" name="Fußzeilenplatzhalter 7">
-            <a:extLst>
-              <a:ext uri="{FF2B5EF4-FFF2-40B4-BE49-F238E27FC236}">
-                <a16:creationId xmlns:a16="http://schemas.microsoft.com/office/drawing/2014/main" id="{C245CBE8-A885-0423-0728-BB5486C49854}"/>
+            <a:endParaRPr lang="en-US"/>
+          </a:p>
+        </p:txBody>
+      </p:sp>
+      <p:sp>
+        <p:nvSpPr>
+          <p:cNvPr id="8" name="Footer Placeholder 7">
+            <a:extLst>
+              <a:ext uri="{FF2B5EF4-FFF2-40B4-BE49-F238E27FC236}">
+                <a16:creationId xmlns:a16="http://schemas.microsoft.com/office/drawing/2014/main" id="{CED4301A-D375-4163-9488-27A9CDC6FD34}"/>
               </a:ext>
             </a:extLst>
           </p:cNvPr>
@@ -1837,16 +1868,16 @@
           <a:bodyPr/>
           <a:lstStyle/>
           <a:p>
-            <a:endParaRPr lang="de-DE"/>
-          </a:p>
-        </p:txBody>
-      </p:sp>
-      <p:sp>
-        <p:nvSpPr>
-          <p:cNvPr id="9" name="Foliennummernplatzhalter 8">
-            <a:extLst>
-              <a:ext uri="{FF2B5EF4-FFF2-40B4-BE49-F238E27FC236}">
-                <a16:creationId xmlns:a16="http://schemas.microsoft.com/office/drawing/2014/main" id="{671345B3-1691-BA06-3599-0C023B34595A}"/>
+            <a:endParaRPr lang="en-US"/>
+          </a:p>
+        </p:txBody>
+      </p:sp>
+      <p:sp>
+        <p:nvSpPr>
+          <p:cNvPr id="9" name="Slide Number Placeholder 8">
+            <a:extLst>
+              <a:ext uri="{FF2B5EF4-FFF2-40B4-BE49-F238E27FC236}">
+                <a16:creationId xmlns:a16="http://schemas.microsoft.com/office/drawing/2014/main" id="{6EED6105-4A37-4D4B-9BE8-715FB732C924}"/>
               </a:ext>
             </a:extLst>
           </p:cNvPr>
@@ -1862,18 +1893,18 @@
           <a:bodyPr/>
           <a:lstStyle/>
           <a:p>
-            <a:fld id="{E21B1CCD-CEEE-47DD-8EBF-39550E763BCC}" type="slidenum">
-              <a:rPr lang="de-DE" smtClean="0"/>
+            <a:fld id="{D637F8FC-4B86-4690-8888-22AB2F781BEF}" type="slidenum">
+              <a:rPr lang="en-US" smtClean="0"/>
               <a:t>‹Nr.›</a:t>
             </a:fld>
-            <a:endParaRPr lang="de-DE"/>
+            <a:endParaRPr lang="en-US"/>
           </a:p>
         </p:txBody>
       </p:sp>
     </p:spTree>
     <p:extLst>
       <p:ext uri="{BB962C8B-B14F-4D97-AF65-F5344CB8AC3E}">
-        <p14:creationId xmlns:p14="http://schemas.microsoft.com/office/powerpoint/2010/main" val="570023140"/>
+        <p14:creationId xmlns:p14="http://schemas.microsoft.com/office/powerpoint/2010/main" val="3524352938"/>
       </p:ext>
     </p:extLst>
   </p:cSld>
@@ -1885,7 +1916,7 @@
 
 <file path=ppt/slideLayouts/slideLayout6.xml><?xml version="1.0" encoding="utf-8"?>
 <p:sldLayout xmlns:a="http://schemas.openxmlformats.org/drawingml/2006/main" xmlns:r="http://schemas.openxmlformats.org/officeDocument/2006/relationships" xmlns:p="http://schemas.openxmlformats.org/presentationml/2006/main" type="titleOnly" preserve="1">
-  <p:cSld name="Nur Titel">
+  <p:cSld name="Title Only">
     <p:spTree>
       <p:nvGrpSpPr>
         <p:cNvPr id="1" name=""/>
@@ -1902,10 +1933,10 @@
       </p:grpSpPr>
       <p:sp>
         <p:nvSpPr>
-          <p:cNvPr id="2" name="Titel 1">
-            <a:extLst>
-              <a:ext uri="{FF2B5EF4-FFF2-40B4-BE49-F238E27FC236}">
-                <a16:creationId xmlns:a16="http://schemas.microsoft.com/office/drawing/2014/main" id="{0476DA35-6002-8CEC-72DD-66198A4ABDAE}"/>
+          <p:cNvPr id="2" name="Title 1">
+            <a:extLst>
+              <a:ext uri="{FF2B5EF4-FFF2-40B4-BE49-F238E27FC236}">
+                <a16:creationId xmlns:a16="http://schemas.microsoft.com/office/drawing/2014/main" id="{2D13007F-6649-4D23-8869-C1CC29D00964}"/>
               </a:ext>
             </a:extLst>
           </p:cNvPr>
@@ -1922,18 +1953,18 @@
           <a:lstStyle/>
           <a:p>
             <a:r>
-              <a:rPr lang="de-DE"/>
-              <a:t>Mastertitelformat bearbeiten</a:t>
-            </a:r>
-          </a:p>
-        </p:txBody>
-      </p:sp>
-      <p:sp>
-        <p:nvSpPr>
-          <p:cNvPr id="3" name="Datumsplatzhalter 2">
-            <a:extLst>
-              <a:ext uri="{FF2B5EF4-FFF2-40B4-BE49-F238E27FC236}">
-                <a16:creationId xmlns:a16="http://schemas.microsoft.com/office/drawing/2014/main" id="{73090F03-EB80-D9E2-4EC6-388A11452451}"/>
+              <a:rPr lang="en-US"/>
+              <a:t>Click to edit Master title style</a:t>
+            </a:r>
+          </a:p>
+        </p:txBody>
+      </p:sp>
+      <p:sp>
+        <p:nvSpPr>
+          <p:cNvPr id="3" name="Date Placeholder 2">
+            <a:extLst>
+              <a:ext uri="{FF2B5EF4-FFF2-40B4-BE49-F238E27FC236}">
+                <a16:creationId xmlns:a16="http://schemas.microsoft.com/office/drawing/2014/main" id="{688B85A1-41F9-4BC1-9C40-3E5D5C0425BF}"/>
               </a:ext>
             </a:extLst>
           </p:cNvPr>
@@ -1949,20 +1980,20 @@
           <a:bodyPr/>
           <a:lstStyle/>
           <a:p>
-            <a:fld id="{C318BFAD-CC80-4D77-AF3C-7ACD95D648DB}" type="datetimeFigureOut">
-              <a:rPr lang="de-DE" smtClean="0"/>
-              <a:t>06.07.2023</a:t>
+            <a:fld id="{B6D41BCC-AD73-4203-A5A6-E62EB28B0FE6}" type="datetimeFigureOut">
+              <a:rPr lang="en-US" smtClean="0"/>
+              <a:t>7/6/2023</a:t>
             </a:fld>
-            <a:endParaRPr lang="de-DE"/>
-          </a:p>
-        </p:txBody>
-      </p:sp>
-      <p:sp>
-        <p:nvSpPr>
-          <p:cNvPr id="4" name="Fußzeilenplatzhalter 3">
-            <a:extLst>
-              <a:ext uri="{FF2B5EF4-FFF2-40B4-BE49-F238E27FC236}">
-                <a16:creationId xmlns:a16="http://schemas.microsoft.com/office/drawing/2014/main" id="{B44E2294-7AC5-B08C-03A9-0C152EB08017}"/>
+            <a:endParaRPr lang="en-US"/>
+          </a:p>
+        </p:txBody>
+      </p:sp>
+      <p:sp>
+        <p:nvSpPr>
+          <p:cNvPr id="4" name="Footer Placeholder 3">
+            <a:extLst>
+              <a:ext uri="{FF2B5EF4-FFF2-40B4-BE49-F238E27FC236}">
+                <a16:creationId xmlns:a16="http://schemas.microsoft.com/office/drawing/2014/main" id="{97B23774-EAA9-47ED-87EF-EE2B29A25802}"/>
               </a:ext>
             </a:extLst>
           </p:cNvPr>
@@ -1978,16 +2009,16 @@
           <a:bodyPr/>
           <a:lstStyle/>
           <a:p>
-            <a:endParaRPr lang="de-DE"/>
-          </a:p>
-        </p:txBody>
-      </p:sp>
-      <p:sp>
-        <p:nvSpPr>
-          <p:cNvPr id="5" name="Foliennummernplatzhalter 4">
-            <a:extLst>
-              <a:ext uri="{FF2B5EF4-FFF2-40B4-BE49-F238E27FC236}">
-                <a16:creationId xmlns:a16="http://schemas.microsoft.com/office/drawing/2014/main" id="{3826FF0B-4480-E91C-70E1-89EF322C04E0}"/>
+            <a:endParaRPr lang="en-US"/>
+          </a:p>
+        </p:txBody>
+      </p:sp>
+      <p:sp>
+        <p:nvSpPr>
+          <p:cNvPr id="5" name="Slide Number Placeholder 4">
+            <a:extLst>
+              <a:ext uri="{FF2B5EF4-FFF2-40B4-BE49-F238E27FC236}">
+                <a16:creationId xmlns:a16="http://schemas.microsoft.com/office/drawing/2014/main" id="{E2526550-DD4D-45E2-8916-8314C5D0680D}"/>
               </a:ext>
             </a:extLst>
           </p:cNvPr>
@@ -2003,18 +2034,18 @@
           <a:bodyPr/>
           <a:lstStyle/>
           <a:p>
-            <a:fld id="{E21B1CCD-CEEE-47DD-8EBF-39550E763BCC}" type="slidenum">
-              <a:rPr lang="de-DE" smtClean="0"/>
+            <a:fld id="{D637F8FC-4B86-4690-8888-22AB2F781BEF}" type="slidenum">
+              <a:rPr lang="en-US" smtClean="0"/>
               <a:t>‹Nr.›</a:t>
             </a:fld>
-            <a:endParaRPr lang="de-DE"/>
+            <a:endParaRPr lang="en-US"/>
           </a:p>
         </p:txBody>
       </p:sp>
     </p:spTree>
     <p:extLst>
       <p:ext uri="{BB962C8B-B14F-4D97-AF65-F5344CB8AC3E}">
-        <p14:creationId xmlns:p14="http://schemas.microsoft.com/office/powerpoint/2010/main" val="148614121"/>
+        <p14:creationId xmlns:p14="http://schemas.microsoft.com/office/powerpoint/2010/main" val="4078547874"/>
       </p:ext>
     </p:extLst>
   </p:cSld>
@@ -2026,7 +2057,7 @@
 
 <file path=ppt/slideLayouts/slideLayout7.xml><?xml version="1.0" encoding="utf-8"?>
 <p:sldLayout xmlns:a="http://schemas.openxmlformats.org/drawingml/2006/main" xmlns:r="http://schemas.openxmlformats.org/officeDocument/2006/relationships" xmlns:p="http://schemas.openxmlformats.org/presentationml/2006/main" type="blank" preserve="1">
-  <p:cSld name="Leer">
+  <p:cSld name="Blank">
     <p:spTree>
       <p:nvGrpSpPr>
         <p:cNvPr id="1" name=""/>
@@ -2043,10 +2074,10 @@
       </p:grpSpPr>
       <p:sp>
         <p:nvSpPr>
-          <p:cNvPr id="2" name="Datumsplatzhalter 1">
-            <a:extLst>
-              <a:ext uri="{FF2B5EF4-FFF2-40B4-BE49-F238E27FC236}">
-                <a16:creationId xmlns:a16="http://schemas.microsoft.com/office/drawing/2014/main" id="{48CAD296-6737-FFCD-2342-5C416E9C1277}"/>
+          <p:cNvPr id="2" name="Date Placeholder 1">
+            <a:extLst>
+              <a:ext uri="{FF2B5EF4-FFF2-40B4-BE49-F238E27FC236}">
+                <a16:creationId xmlns:a16="http://schemas.microsoft.com/office/drawing/2014/main" id="{1B35FACD-1A4D-49F3-8EA8-21B5C1A6A258}"/>
               </a:ext>
             </a:extLst>
           </p:cNvPr>
@@ -2062,20 +2093,20 @@
           <a:bodyPr/>
           <a:lstStyle/>
           <a:p>
-            <a:fld id="{C318BFAD-CC80-4D77-AF3C-7ACD95D648DB}" type="datetimeFigureOut">
-              <a:rPr lang="de-DE" smtClean="0"/>
-              <a:t>06.07.2023</a:t>
+            <a:fld id="{B6D41BCC-AD73-4203-A5A6-E62EB28B0FE6}" type="datetimeFigureOut">
+              <a:rPr lang="en-US" smtClean="0"/>
+              <a:t>7/6/2023</a:t>
             </a:fld>
-            <a:endParaRPr lang="de-DE"/>
-          </a:p>
-        </p:txBody>
-      </p:sp>
-      <p:sp>
-        <p:nvSpPr>
-          <p:cNvPr id="3" name="Fußzeilenplatzhalter 2">
-            <a:extLst>
-              <a:ext uri="{FF2B5EF4-FFF2-40B4-BE49-F238E27FC236}">
-                <a16:creationId xmlns:a16="http://schemas.microsoft.com/office/drawing/2014/main" id="{E5CDB77B-9C12-5ED0-5AC7-25C00B9EFACD}"/>
+            <a:endParaRPr lang="en-US"/>
+          </a:p>
+        </p:txBody>
+      </p:sp>
+      <p:sp>
+        <p:nvSpPr>
+          <p:cNvPr id="3" name="Footer Placeholder 2">
+            <a:extLst>
+              <a:ext uri="{FF2B5EF4-FFF2-40B4-BE49-F238E27FC236}">
+                <a16:creationId xmlns:a16="http://schemas.microsoft.com/office/drawing/2014/main" id="{C4FFD9DD-0E4E-4C36-AF85-B3EAD7FE613E}"/>
               </a:ext>
             </a:extLst>
           </p:cNvPr>
@@ -2091,16 +2122,16 @@
           <a:bodyPr/>
           <a:lstStyle/>
           <a:p>
-            <a:endParaRPr lang="de-DE"/>
-          </a:p>
-        </p:txBody>
-      </p:sp>
-      <p:sp>
-        <p:nvSpPr>
-          <p:cNvPr id="4" name="Foliennummernplatzhalter 3">
-            <a:extLst>
-              <a:ext uri="{FF2B5EF4-FFF2-40B4-BE49-F238E27FC236}">
-                <a16:creationId xmlns:a16="http://schemas.microsoft.com/office/drawing/2014/main" id="{C86F7482-0724-067D-1CEF-4FC33C8E6515}"/>
+            <a:endParaRPr lang="en-US"/>
+          </a:p>
+        </p:txBody>
+      </p:sp>
+      <p:sp>
+        <p:nvSpPr>
+          <p:cNvPr id="4" name="Slide Number Placeholder 3">
+            <a:extLst>
+              <a:ext uri="{FF2B5EF4-FFF2-40B4-BE49-F238E27FC236}">
+                <a16:creationId xmlns:a16="http://schemas.microsoft.com/office/drawing/2014/main" id="{76E6F4C8-14FA-4405-85EE-ABF53FB0377C}"/>
               </a:ext>
             </a:extLst>
           </p:cNvPr>
@@ -2116,18 +2147,18 @@
           <a:bodyPr/>
           <a:lstStyle/>
           <a:p>
-            <a:fld id="{E21B1CCD-CEEE-47DD-8EBF-39550E763BCC}" type="slidenum">
-              <a:rPr lang="de-DE" smtClean="0"/>
+            <a:fld id="{D637F8FC-4B86-4690-8888-22AB2F781BEF}" type="slidenum">
+              <a:rPr lang="en-US" smtClean="0"/>
               <a:t>‹Nr.›</a:t>
             </a:fld>
-            <a:endParaRPr lang="de-DE"/>
+            <a:endParaRPr lang="en-US"/>
           </a:p>
         </p:txBody>
       </p:sp>
     </p:spTree>
     <p:extLst>
       <p:ext uri="{BB962C8B-B14F-4D97-AF65-F5344CB8AC3E}">
-        <p14:creationId xmlns:p14="http://schemas.microsoft.com/office/powerpoint/2010/main" val="2232028442"/>
+        <p14:creationId xmlns:p14="http://schemas.microsoft.com/office/powerpoint/2010/main" val="4071503751"/>
       </p:ext>
     </p:extLst>
   </p:cSld>
@@ -2139,7 +2170,7 @@
 
 <file path=ppt/slideLayouts/slideLayout8.xml><?xml version="1.0" encoding="utf-8"?>
 <p:sldLayout xmlns:a="http://schemas.openxmlformats.org/drawingml/2006/main" xmlns:r="http://schemas.openxmlformats.org/officeDocument/2006/relationships" xmlns:p="http://schemas.openxmlformats.org/presentationml/2006/main" type="objTx" preserve="1">
-  <p:cSld name="Inhalt mit Überschrift">
+  <p:cSld name="Content with Caption">
     <p:spTree>
       <p:nvGrpSpPr>
         <p:cNvPr id="1" name=""/>
@@ -2156,10 +2187,10 @@
       </p:grpSpPr>
       <p:sp>
         <p:nvSpPr>
-          <p:cNvPr id="2" name="Titel 1">
-            <a:extLst>
-              <a:ext uri="{FF2B5EF4-FFF2-40B4-BE49-F238E27FC236}">
-                <a16:creationId xmlns:a16="http://schemas.microsoft.com/office/drawing/2014/main" id="{B999ADFD-6476-B356-8D30-BB2E09F2F81E}"/>
+          <p:cNvPr id="2" name="Title 1">
+            <a:extLst>
+              <a:ext uri="{FF2B5EF4-FFF2-40B4-BE49-F238E27FC236}">
+                <a16:creationId xmlns:a16="http://schemas.microsoft.com/office/drawing/2014/main" id="{888E7C28-5DEE-493D-ABAD-38E4F2D75924}"/>
               </a:ext>
             </a:extLst>
           </p:cNvPr>
@@ -2172,12 +2203,12 @@
         </p:nvSpPr>
         <p:spPr>
           <a:xfrm>
-            <a:off x="839788" y="457200"/>
-            <a:ext cx="3932237" cy="1600200"/>
+            <a:off x="1225621" y="1085481"/>
+            <a:ext cx="3651180" cy="1657719"/>
           </a:xfrm>
         </p:spPr>
         <p:txBody>
-          <a:bodyPr anchor="b"/>
+          <a:bodyPr anchor="t"/>
           <a:lstStyle>
             <a:lvl1pPr>
               <a:defRPr sz="3200"/>
@@ -2185,18 +2216,18 @@
           </a:lstStyle>
           <a:p>
             <a:r>
-              <a:rPr lang="de-DE"/>
-              <a:t>Mastertitelformat bearbeiten</a:t>
-            </a:r>
-          </a:p>
-        </p:txBody>
-      </p:sp>
-      <p:sp>
-        <p:nvSpPr>
-          <p:cNvPr id="3" name="Inhaltsplatzhalter 2">
-            <a:extLst>
-              <a:ext uri="{FF2B5EF4-FFF2-40B4-BE49-F238E27FC236}">
-                <a16:creationId xmlns:a16="http://schemas.microsoft.com/office/drawing/2014/main" id="{EAF37CEE-B35D-F6D9-5330-D2A85B05E404}"/>
+              <a:rPr lang="en-US" dirty="0"/>
+              <a:t>Click to edit Master title style</a:t>
+            </a:r>
+          </a:p>
+        </p:txBody>
+      </p:sp>
+      <p:sp>
+        <p:nvSpPr>
+          <p:cNvPr id="3" name="Content Placeholder 2">
+            <a:extLst>
+              <a:ext uri="{FF2B5EF4-FFF2-40B4-BE49-F238E27FC236}">
+                <a16:creationId xmlns:a16="http://schemas.microsoft.com/office/drawing/2014/main" id="{1A5E79C5-E567-4F12-96B8-8BBEAE3D8B9F}"/>
               </a:ext>
             </a:extLst>
           </p:cNvPr>
@@ -2209,26 +2240,41 @@
         </p:nvSpPr>
         <p:spPr>
           <a:xfrm>
-            <a:off x="5183188" y="987425"/>
-            <a:ext cx="6172200" cy="4873625"/>
+            <a:off x="5676900" y="1132676"/>
+            <a:ext cx="5289480" cy="4728374"/>
           </a:xfrm>
         </p:spPr>
         <p:txBody>
           <a:bodyPr/>
           <a:lstStyle>
             <a:lvl1pPr>
+              <a:lnSpc>
+                <a:spcPct val="110000"/>
+              </a:lnSpc>
               <a:defRPr sz="3200"/>
             </a:lvl1pPr>
             <a:lvl2pPr>
+              <a:lnSpc>
+                <a:spcPct val="110000"/>
+              </a:lnSpc>
               <a:defRPr sz="2800"/>
             </a:lvl2pPr>
             <a:lvl3pPr>
+              <a:lnSpc>
+                <a:spcPct val="110000"/>
+              </a:lnSpc>
               <a:defRPr sz="2400"/>
             </a:lvl3pPr>
             <a:lvl4pPr>
+              <a:lnSpc>
+                <a:spcPct val="110000"/>
+              </a:lnSpc>
               <a:defRPr sz="2000"/>
             </a:lvl4pPr>
             <a:lvl5pPr>
+              <a:lnSpc>
+                <a:spcPct val="110000"/>
+              </a:lnSpc>
               <a:defRPr sz="2000"/>
             </a:lvl5pPr>
             <a:lvl6pPr>
@@ -2247,46 +2293,46 @@
           <a:p>
             <a:pPr lvl="0"/>
             <a:r>
-              <a:rPr lang="de-DE"/>
-              <a:t>Mastertextformat bearbeiten</a:t>
+              <a:rPr lang="en-US" dirty="0"/>
+              <a:t>Click to edit Master text styles</a:t>
             </a:r>
           </a:p>
           <a:p>
             <a:pPr lvl="1"/>
             <a:r>
-              <a:rPr lang="de-DE"/>
-              <a:t>Zweite Ebene</a:t>
+              <a:rPr lang="en-US" dirty="0"/>
+              <a:t>Second level</a:t>
             </a:r>
           </a:p>
           <a:p>
             <a:pPr lvl="2"/>
             <a:r>
-              <a:rPr lang="de-DE"/>
-              <a:t>Dritte Ebene</a:t>
+              <a:rPr lang="en-US" dirty="0"/>
+              <a:t>Third level</a:t>
             </a:r>
           </a:p>
           <a:p>
             <a:pPr lvl="3"/>
             <a:r>
-              <a:rPr lang="de-DE"/>
-              <a:t>Vierte Ebene</a:t>
+              <a:rPr lang="en-US" dirty="0"/>
+              <a:t>Fourth level</a:t>
             </a:r>
           </a:p>
           <a:p>
             <a:pPr lvl="4"/>
             <a:r>
-              <a:rPr lang="de-DE"/>
-              <a:t>Fünfte Ebene</a:t>
-            </a:r>
-          </a:p>
-        </p:txBody>
-      </p:sp>
-      <p:sp>
-        <p:nvSpPr>
-          <p:cNvPr id="4" name="Textplatzhalter 3">
-            <a:extLst>
-              <a:ext uri="{FF2B5EF4-FFF2-40B4-BE49-F238E27FC236}">
-                <a16:creationId xmlns:a16="http://schemas.microsoft.com/office/drawing/2014/main" id="{BDEF8022-B227-35BF-9018-47887B3529AD}"/>
+              <a:rPr lang="en-US" dirty="0"/>
+              <a:t>Fifth level</a:t>
+            </a:r>
+          </a:p>
+        </p:txBody>
+      </p:sp>
+      <p:sp>
+        <p:nvSpPr>
+          <p:cNvPr id="4" name="Text Placeholder 3">
+            <a:extLst>
+              <a:ext uri="{FF2B5EF4-FFF2-40B4-BE49-F238E27FC236}">
+                <a16:creationId xmlns:a16="http://schemas.microsoft.com/office/drawing/2014/main" id="{5733DF7F-0B5C-40CE-A65F-779FA7EFBF1C}"/>
               </a:ext>
             </a:extLst>
           </p:cNvPr>
@@ -2299,8 +2345,8 @@
         </p:nvSpPr>
         <p:spPr>
           <a:xfrm>
-            <a:off x="839788" y="2057400"/>
-            <a:ext cx="3932237" cy="3811588"/>
+            <a:off x="1225621" y="2748406"/>
+            <a:ext cx="3651180" cy="3112644"/>
           </a:xfrm>
         </p:spPr>
         <p:txBody>
@@ -2346,18 +2392,18 @@
           <a:p>
             <a:pPr lvl="0"/>
             <a:r>
-              <a:rPr lang="de-DE"/>
-              <a:t>Mastertextformat bearbeiten</a:t>
-            </a:r>
-          </a:p>
-        </p:txBody>
-      </p:sp>
-      <p:sp>
-        <p:nvSpPr>
-          <p:cNvPr id="5" name="Datumsplatzhalter 4">
-            <a:extLst>
-              <a:ext uri="{FF2B5EF4-FFF2-40B4-BE49-F238E27FC236}">
-                <a16:creationId xmlns:a16="http://schemas.microsoft.com/office/drawing/2014/main" id="{8CCA714C-F6FD-8FEE-4DD2-8BA841FF0510}"/>
+              <a:rPr lang="en-US" dirty="0"/>
+              <a:t>Click to edit Master text styles</a:t>
+            </a:r>
+          </a:p>
+        </p:txBody>
+      </p:sp>
+      <p:sp>
+        <p:nvSpPr>
+          <p:cNvPr id="5" name="Date Placeholder 4">
+            <a:extLst>
+              <a:ext uri="{FF2B5EF4-FFF2-40B4-BE49-F238E27FC236}">
+                <a16:creationId xmlns:a16="http://schemas.microsoft.com/office/drawing/2014/main" id="{4022248C-1826-4833-9592-383B5873AECA}"/>
               </a:ext>
             </a:extLst>
           </p:cNvPr>
@@ -2373,20 +2419,20 @@
           <a:bodyPr/>
           <a:lstStyle/>
           <a:p>
-            <a:fld id="{C318BFAD-CC80-4D77-AF3C-7ACD95D648DB}" type="datetimeFigureOut">
-              <a:rPr lang="de-DE" smtClean="0"/>
-              <a:t>06.07.2023</a:t>
+            <a:fld id="{B6D41BCC-AD73-4203-A5A6-E62EB28B0FE6}" type="datetimeFigureOut">
+              <a:rPr lang="en-US" smtClean="0"/>
+              <a:t>7/6/2023</a:t>
             </a:fld>
-            <a:endParaRPr lang="de-DE"/>
-          </a:p>
-        </p:txBody>
-      </p:sp>
-      <p:sp>
-        <p:nvSpPr>
-          <p:cNvPr id="6" name="Fußzeilenplatzhalter 5">
-            <a:extLst>
-              <a:ext uri="{FF2B5EF4-FFF2-40B4-BE49-F238E27FC236}">
-                <a16:creationId xmlns:a16="http://schemas.microsoft.com/office/drawing/2014/main" id="{789FFCC6-F776-0B7E-E6FB-17D2F9ACD155}"/>
+            <a:endParaRPr lang="en-US"/>
+          </a:p>
+        </p:txBody>
+      </p:sp>
+      <p:sp>
+        <p:nvSpPr>
+          <p:cNvPr id="6" name="Footer Placeholder 5">
+            <a:extLst>
+              <a:ext uri="{FF2B5EF4-FFF2-40B4-BE49-F238E27FC236}">
+                <a16:creationId xmlns:a16="http://schemas.microsoft.com/office/drawing/2014/main" id="{E80219DC-2646-42AD-897A-EB765DCBEF0F}"/>
               </a:ext>
             </a:extLst>
           </p:cNvPr>
@@ -2402,16 +2448,16 @@
           <a:bodyPr/>
           <a:lstStyle/>
           <a:p>
-            <a:endParaRPr lang="de-DE"/>
-          </a:p>
-        </p:txBody>
-      </p:sp>
-      <p:sp>
-        <p:nvSpPr>
-          <p:cNvPr id="7" name="Foliennummernplatzhalter 6">
-            <a:extLst>
-              <a:ext uri="{FF2B5EF4-FFF2-40B4-BE49-F238E27FC236}">
-                <a16:creationId xmlns:a16="http://schemas.microsoft.com/office/drawing/2014/main" id="{D56B9A21-D70F-D9FE-1648-3F12F73FC7D9}"/>
+            <a:endParaRPr lang="en-US"/>
+          </a:p>
+        </p:txBody>
+      </p:sp>
+      <p:sp>
+        <p:nvSpPr>
+          <p:cNvPr id="7" name="Slide Number Placeholder 6">
+            <a:extLst>
+              <a:ext uri="{FF2B5EF4-FFF2-40B4-BE49-F238E27FC236}">
+                <a16:creationId xmlns:a16="http://schemas.microsoft.com/office/drawing/2014/main" id="{1AF238D7-4EEA-475B-B1CA-C44B89BEA304}"/>
               </a:ext>
             </a:extLst>
           </p:cNvPr>
@@ -2427,18 +2473,18 @@
           <a:bodyPr/>
           <a:lstStyle/>
           <a:p>
-            <a:fld id="{E21B1CCD-CEEE-47DD-8EBF-39550E763BCC}" type="slidenum">
-              <a:rPr lang="de-DE" smtClean="0"/>
+            <a:fld id="{D637F8FC-4B86-4690-8888-22AB2F781BEF}" type="slidenum">
+              <a:rPr lang="en-US" smtClean="0"/>
               <a:t>‹Nr.›</a:t>
             </a:fld>
-            <a:endParaRPr lang="de-DE"/>
+            <a:endParaRPr lang="en-US"/>
           </a:p>
         </p:txBody>
       </p:sp>
     </p:spTree>
     <p:extLst>
       <p:ext uri="{BB962C8B-B14F-4D97-AF65-F5344CB8AC3E}">
-        <p14:creationId xmlns:p14="http://schemas.microsoft.com/office/powerpoint/2010/main" val="4279993344"/>
+        <p14:creationId xmlns:p14="http://schemas.microsoft.com/office/powerpoint/2010/main" val="1158009449"/>
       </p:ext>
     </p:extLst>
   </p:cSld>
@@ -2450,7 +2496,7 @@
 
 <file path=ppt/slideLayouts/slideLayout9.xml><?xml version="1.0" encoding="utf-8"?>
 <p:sldLayout xmlns:a="http://schemas.openxmlformats.org/drawingml/2006/main" xmlns:r="http://schemas.openxmlformats.org/officeDocument/2006/relationships" xmlns:p="http://schemas.openxmlformats.org/presentationml/2006/main" type="picTx" preserve="1">
-  <p:cSld name="Bild mit Überschrift">
+  <p:cSld name="Picture with Caption">
     <p:spTree>
       <p:nvGrpSpPr>
         <p:cNvPr id="1" name=""/>
@@ -2467,10 +2513,10 @@
       </p:grpSpPr>
       <p:sp>
         <p:nvSpPr>
-          <p:cNvPr id="2" name="Titel 1">
-            <a:extLst>
-              <a:ext uri="{FF2B5EF4-FFF2-40B4-BE49-F238E27FC236}">
-                <a16:creationId xmlns:a16="http://schemas.microsoft.com/office/drawing/2014/main" id="{E6863E31-65D0-584A-ACF7-B5A78AF57596}"/>
+          <p:cNvPr id="2" name="Title 1">
+            <a:extLst>
+              <a:ext uri="{FF2B5EF4-FFF2-40B4-BE49-F238E27FC236}">
+                <a16:creationId xmlns:a16="http://schemas.microsoft.com/office/drawing/2014/main" id="{32DD65BE-C907-4660-A586-71C6A1D101EC}"/>
               </a:ext>
             </a:extLst>
           </p:cNvPr>
@@ -2483,12 +2529,12 @@
         </p:nvSpPr>
         <p:spPr>
           <a:xfrm>
-            <a:off x="839788" y="457200"/>
-            <a:ext cx="3932237" cy="1600200"/>
+            <a:off x="1219200" y="1085481"/>
+            <a:ext cx="3657600" cy="1657719"/>
           </a:xfrm>
         </p:spPr>
         <p:txBody>
-          <a:bodyPr anchor="b"/>
+          <a:bodyPr anchor="t"/>
           <a:lstStyle>
             <a:lvl1pPr>
               <a:defRPr sz="3200"/>
@@ -2496,18 +2542,18 @@
           </a:lstStyle>
           <a:p>
             <a:r>
-              <a:rPr lang="de-DE"/>
-              <a:t>Mastertitelformat bearbeiten</a:t>
-            </a:r>
-          </a:p>
-        </p:txBody>
-      </p:sp>
-      <p:sp>
-        <p:nvSpPr>
-          <p:cNvPr id="3" name="Bildplatzhalter 2">
-            <a:extLst>
-              <a:ext uri="{FF2B5EF4-FFF2-40B4-BE49-F238E27FC236}">
-                <a16:creationId xmlns:a16="http://schemas.microsoft.com/office/drawing/2014/main" id="{93CE4DF2-1A6E-A547-DD4C-C63F4019993E}"/>
+              <a:rPr lang="en-US" dirty="0"/>
+              <a:t>Click to edit Master title style</a:t>
+            </a:r>
+          </a:p>
+        </p:txBody>
+      </p:sp>
+      <p:sp>
+        <p:nvSpPr>
+          <p:cNvPr id="3" name="Picture Placeholder 2">
+            <a:extLst>
+              <a:ext uri="{FF2B5EF4-FFF2-40B4-BE49-F238E27FC236}">
+                <a16:creationId xmlns:a16="http://schemas.microsoft.com/office/drawing/2014/main" id="{A044C8A9-67DF-419C-B2FC-3A879CCEF393}"/>
               </a:ext>
             </a:extLst>
           </p:cNvPr>
@@ -2520,8 +2566,8 @@
         </p:nvSpPr>
         <p:spPr>
           <a:xfrm>
-            <a:off x="5183188" y="987425"/>
-            <a:ext cx="6172200" cy="4873625"/>
+            <a:off x="5676900" y="1061885"/>
+            <a:ext cx="5331069" cy="4775569"/>
           </a:xfrm>
         </p:spPr>
         <p:txBody>
@@ -2565,16 +2611,16 @@
             </a:lvl9pPr>
           </a:lstStyle>
           <a:p>
-            <a:endParaRPr lang="de-DE"/>
-          </a:p>
-        </p:txBody>
-      </p:sp>
-      <p:sp>
-        <p:nvSpPr>
-          <p:cNvPr id="4" name="Textplatzhalter 3">
-            <a:extLst>
-              <a:ext uri="{FF2B5EF4-FFF2-40B4-BE49-F238E27FC236}">
-                <a16:creationId xmlns:a16="http://schemas.microsoft.com/office/drawing/2014/main" id="{2C2F795D-BD1F-CFE4-DDF1-BAA48A345B18}"/>
+            <a:endParaRPr lang="en-US"/>
+          </a:p>
+        </p:txBody>
+      </p:sp>
+      <p:sp>
+        <p:nvSpPr>
+          <p:cNvPr id="4" name="Text Placeholder 3">
+            <a:extLst>
+              <a:ext uri="{FF2B5EF4-FFF2-40B4-BE49-F238E27FC236}">
+                <a16:creationId xmlns:a16="http://schemas.microsoft.com/office/drawing/2014/main" id="{CEDA94A1-3058-402A-9C3F-2F210D91D990}"/>
               </a:ext>
             </a:extLst>
           </p:cNvPr>
@@ -2587,8 +2633,8 @@
         </p:nvSpPr>
         <p:spPr>
           <a:xfrm>
-            <a:off x="839788" y="2057400"/>
-            <a:ext cx="3932237" cy="3811588"/>
+            <a:off x="1219200" y="2748406"/>
+            <a:ext cx="3657600" cy="3112644"/>
           </a:xfrm>
         </p:spPr>
         <p:txBody>
@@ -2634,18 +2680,18 @@
           <a:p>
             <a:pPr lvl="0"/>
             <a:r>
-              <a:rPr lang="de-DE"/>
-              <a:t>Mastertextformat bearbeiten</a:t>
-            </a:r>
-          </a:p>
-        </p:txBody>
-      </p:sp>
-      <p:sp>
-        <p:nvSpPr>
-          <p:cNvPr id="5" name="Datumsplatzhalter 4">
-            <a:extLst>
-              <a:ext uri="{FF2B5EF4-FFF2-40B4-BE49-F238E27FC236}">
-                <a16:creationId xmlns:a16="http://schemas.microsoft.com/office/drawing/2014/main" id="{90BDE8E0-6794-3847-CE84-0FE977182D07}"/>
+              <a:rPr lang="en-US" dirty="0"/>
+              <a:t>Click to edit Master text styles</a:t>
+            </a:r>
+          </a:p>
+        </p:txBody>
+      </p:sp>
+      <p:sp>
+        <p:nvSpPr>
+          <p:cNvPr id="5" name="Date Placeholder 4">
+            <a:extLst>
+              <a:ext uri="{FF2B5EF4-FFF2-40B4-BE49-F238E27FC236}">
+                <a16:creationId xmlns:a16="http://schemas.microsoft.com/office/drawing/2014/main" id="{1BC3CA50-C8D8-4F83-B2F6-BCE825866405}"/>
               </a:ext>
             </a:extLst>
           </p:cNvPr>
@@ -2661,20 +2707,20 @@
           <a:bodyPr/>
           <a:lstStyle/>
           <a:p>
-            <a:fld id="{C318BFAD-CC80-4D77-AF3C-7ACD95D648DB}" type="datetimeFigureOut">
-              <a:rPr lang="de-DE" smtClean="0"/>
-              <a:t>06.07.2023</a:t>
+            <a:fld id="{B6D41BCC-AD73-4203-A5A6-E62EB28B0FE6}" type="datetimeFigureOut">
+              <a:rPr lang="en-US" smtClean="0"/>
+              <a:t>7/6/2023</a:t>
             </a:fld>
-            <a:endParaRPr lang="de-DE"/>
-          </a:p>
-        </p:txBody>
-      </p:sp>
-      <p:sp>
-        <p:nvSpPr>
-          <p:cNvPr id="6" name="Fußzeilenplatzhalter 5">
-            <a:extLst>
-              <a:ext uri="{FF2B5EF4-FFF2-40B4-BE49-F238E27FC236}">
-                <a16:creationId xmlns:a16="http://schemas.microsoft.com/office/drawing/2014/main" id="{022F9ADD-16D5-DE93-BD6B-198F627EDC21}"/>
+            <a:endParaRPr lang="en-US"/>
+          </a:p>
+        </p:txBody>
+      </p:sp>
+      <p:sp>
+        <p:nvSpPr>
+          <p:cNvPr id="6" name="Footer Placeholder 5">
+            <a:extLst>
+              <a:ext uri="{FF2B5EF4-FFF2-40B4-BE49-F238E27FC236}">
+                <a16:creationId xmlns:a16="http://schemas.microsoft.com/office/drawing/2014/main" id="{057E5BE3-7B02-4281-BD90-C1FAAF636807}"/>
               </a:ext>
             </a:extLst>
           </p:cNvPr>
@@ -2690,16 +2736,16 @@
           <a:bodyPr/>
           <a:lstStyle/>
           <a:p>
-            <a:endParaRPr lang="de-DE"/>
-          </a:p>
-        </p:txBody>
-      </p:sp>
-      <p:sp>
-        <p:nvSpPr>
-          <p:cNvPr id="7" name="Foliennummernplatzhalter 6">
-            <a:extLst>
-              <a:ext uri="{FF2B5EF4-FFF2-40B4-BE49-F238E27FC236}">
-                <a16:creationId xmlns:a16="http://schemas.microsoft.com/office/drawing/2014/main" id="{520A0CA8-C8E7-1E5F-540D-DAC45060BE38}"/>
+            <a:endParaRPr lang="en-US"/>
+          </a:p>
+        </p:txBody>
+      </p:sp>
+      <p:sp>
+        <p:nvSpPr>
+          <p:cNvPr id="7" name="Slide Number Placeholder 6">
+            <a:extLst>
+              <a:ext uri="{FF2B5EF4-FFF2-40B4-BE49-F238E27FC236}">
+                <a16:creationId xmlns:a16="http://schemas.microsoft.com/office/drawing/2014/main" id="{82FE256D-ACD5-438F-BA6F-605E5260E2E6}"/>
               </a:ext>
             </a:extLst>
           </p:cNvPr>
@@ -2715,18 +2761,18 @@
           <a:bodyPr/>
           <a:lstStyle/>
           <a:p>
-            <a:fld id="{E21B1CCD-CEEE-47DD-8EBF-39550E763BCC}" type="slidenum">
-              <a:rPr lang="de-DE" smtClean="0"/>
+            <a:fld id="{D637F8FC-4B86-4690-8888-22AB2F781BEF}" type="slidenum">
+              <a:rPr lang="en-US" smtClean="0"/>
               <a:t>‹Nr.›</a:t>
             </a:fld>
-            <a:endParaRPr lang="de-DE"/>
+            <a:endParaRPr lang="en-US"/>
           </a:p>
         </p:txBody>
       </p:sp>
     </p:spTree>
     <p:extLst>
       <p:ext uri="{BB962C8B-B14F-4D97-AF65-F5344CB8AC3E}">
-        <p14:creationId xmlns:p14="http://schemas.microsoft.com/office/powerpoint/2010/main" val="670716589"/>
+        <p14:creationId xmlns:p14="http://schemas.microsoft.com/office/powerpoint/2010/main" val="2041644810"/>
       </p:ext>
     </p:extLst>
   </p:cSld>
@@ -2760,10 +2806,10 @@
       </p:grpSpPr>
       <p:sp>
         <p:nvSpPr>
-          <p:cNvPr id="2" name="Titelplatzhalter 1">
-            <a:extLst>
-              <a:ext uri="{FF2B5EF4-FFF2-40B4-BE49-F238E27FC236}">
-                <a16:creationId xmlns:a16="http://schemas.microsoft.com/office/drawing/2014/main" id="{A79B04F9-36D2-A6B5-3467-5D733B39715C}"/>
+          <p:cNvPr id="2" name="Title Placeholder 1">
+            <a:extLst>
+              <a:ext uri="{FF2B5EF4-FFF2-40B4-BE49-F238E27FC236}">
+                <a16:creationId xmlns:a16="http://schemas.microsoft.com/office/drawing/2014/main" id="{7F31A689-589E-4A73-9313-EF44F7E4E6BA}"/>
               </a:ext>
             </a:extLst>
           </p:cNvPr>
@@ -2776,8 +2822,8 @@
         </p:nvSpPr>
         <p:spPr>
           <a:xfrm>
-            <a:off x="838200" y="365125"/>
-            <a:ext cx="10515600" cy="1325563"/>
+            <a:off x="1638299" y="685800"/>
+            <a:ext cx="8915402" cy="1371600"/>
           </a:xfrm>
           <a:prstGeom prst="rect">
             <a:avLst/>
@@ -2790,18 +2836,18 @@
           <a:lstStyle/>
           <a:p>
             <a:r>
-              <a:rPr lang="de-DE"/>
-              <a:t>Mastertitelformat bearbeiten</a:t>
-            </a:r>
-          </a:p>
-        </p:txBody>
-      </p:sp>
-      <p:sp>
-        <p:nvSpPr>
-          <p:cNvPr id="3" name="Textplatzhalter 2">
-            <a:extLst>
-              <a:ext uri="{FF2B5EF4-FFF2-40B4-BE49-F238E27FC236}">
-                <a16:creationId xmlns:a16="http://schemas.microsoft.com/office/drawing/2014/main" id="{BA2555BD-E14B-EFC2-1960-ABE74F9B5673}"/>
+              <a:rPr lang="en-US" dirty="0"/>
+              <a:t>Click to edit Master title style</a:t>
+            </a:r>
+          </a:p>
+        </p:txBody>
+      </p:sp>
+      <p:sp>
+        <p:nvSpPr>
+          <p:cNvPr id="3" name="Text Placeholder 2">
+            <a:extLst>
+              <a:ext uri="{FF2B5EF4-FFF2-40B4-BE49-F238E27FC236}">
+                <a16:creationId xmlns:a16="http://schemas.microsoft.com/office/drawing/2014/main" id="{CB2B11B8-9E77-4144-B9C1-FD164D9A11A6}"/>
               </a:ext>
             </a:extLst>
           </p:cNvPr>
@@ -2814,8 +2860,8 @@
         </p:nvSpPr>
         <p:spPr>
           <a:xfrm>
-            <a:off x="838200" y="1825625"/>
-            <a:ext cx="10515600" cy="4351338"/>
+            <a:off x="1638300" y="2057400"/>
+            <a:ext cx="8915402" cy="4137259"/>
           </a:xfrm>
           <a:prstGeom prst="rect">
             <a:avLst/>
@@ -2829,46 +2875,46 @@
           <a:p>
             <a:pPr lvl="0"/>
             <a:r>
-              <a:rPr lang="de-DE"/>
-              <a:t>Mastertextformat bearbeiten</a:t>
+              <a:rPr lang="en-US" dirty="0"/>
+              <a:t>Click to edit Master text styles</a:t>
             </a:r>
           </a:p>
           <a:p>
             <a:pPr lvl="1"/>
             <a:r>
-              <a:rPr lang="de-DE"/>
-              <a:t>Zweite Ebene</a:t>
+              <a:rPr lang="en-US" dirty="0"/>
+              <a:t>Second level</a:t>
             </a:r>
           </a:p>
           <a:p>
             <a:pPr lvl="2"/>
             <a:r>
-              <a:rPr lang="de-DE"/>
-              <a:t>Dritte Ebene</a:t>
+              <a:rPr lang="en-US" dirty="0"/>
+              <a:t>Third level</a:t>
             </a:r>
           </a:p>
           <a:p>
             <a:pPr lvl="3"/>
             <a:r>
-              <a:rPr lang="de-DE"/>
-              <a:t>Vierte Ebene</a:t>
+              <a:rPr lang="en-US" dirty="0"/>
+              <a:t>Fourth level</a:t>
             </a:r>
           </a:p>
           <a:p>
             <a:pPr lvl="4"/>
             <a:r>
-              <a:rPr lang="de-DE"/>
-              <a:t>Fünfte Ebene</a:t>
-            </a:r>
-          </a:p>
-        </p:txBody>
-      </p:sp>
-      <p:sp>
-        <p:nvSpPr>
-          <p:cNvPr id="4" name="Datumsplatzhalter 3">
-            <a:extLst>
-              <a:ext uri="{FF2B5EF4-FFF2-40B4-BE49-F238E27FC236}">
-                <a16:creationId xmlns:a16="http://schemas.microsoft.com/office/drawing/2014/main" id="{41F88217-F6DA-7BC0-6640-48039ACB020F}"/>
+              <a:rPr lang="en-US" dirty="0"/>
+              <a:t>Fifth level</a:t>
+            </a:r>
+          </a:p>
+        </p:txBody>
+      </p:sp>
+      <p:sp>
+        <p:nvSpPr>
+          <p:cNvPr id="4" name="Date Placeholder 3">
+            <a:extLst>
+              <a:ext uri="{FF2B5EF4-FFF2-40B4-BE49-F238E27FC236}">
+                <a16:creationId xmlns:a16="http://schemas.microsoft.com/office/drawing/2014/main" id="{AD06E4CC-CF79-4C8D-9E5F-1BB517435A6F}"/>
               </a:ext>
             </a:extLst>
           </p:cNvPr>
@@ -2880,9 +2926,9 @@
           </p:nvPr>
         </p:nvSpPr>
         <p:spPr>
-          <a:xfrm>
-            <a:off x="838200" y="6356350"/>
-            <a:ext cx="2743200" cy="365125"/>
+          <a:xfrm rot="5400000">
+            <a:off x="-1001475" y="1517536"/>
+            <a:ext cx="2801123" cy="365125"/>
           </a:xfrm>
           <a:prstGeom prst="rect">
             <a:avLst/>
@@ -2892,30 +2938,29 @@
           <a:bodyPr vert="horz" lIns="91440" tIns="45720" rIns="91440" bIns="45720" rtlCol="0" anchor="ctr"/>
           <a:lstStyle>
             <a:lvl1pPr algn="l">
-              <a:defRPr sz="1200">
+              <a:defRPr sz="800" cap="all" spc="100" baseline="0">
                 <a:solidFill>
-                  <a:schemeClr val="tx1">
-                    <a:tint val="75000"/>
-                  </a:schemeClr>
+                  <a:schemeClr val="tx1"/>
                 </a:solidFill>
               </a:defRPr>
             </a:lvl1pPr>
           </a:lstStyle>
           <a:p>
-            <a:fld id="{C318BFAD-CC80-4D77-AF3C-7ACD95D648DB}" type="datetimeFigureOut">
-              <a:rPr lang="de-DE" smtClean="0"/>
-              <a:t>06.07.2023</a:t>
+            <a:fld id="{B6D41BCC-AD73-4203-A5A6-E62EB28B0FE6}" type="datetimeFigureOut">
+              <a:rPr lang="en-US" smtClean="0"/>
+              <a:pPr/>
+              <a:t>7/6/2023</a:t>
             </a:fld>
-            <a:endParaRPr lang="de-DE"/>
-          </a:p>
-        </p:txBody>
-      </p:sp>
-      <p:sp>
-        <p:nvSpPr>
-          <p:cNvPr id="5" name="Fußzeilenplatzhalter 4">
-            <a:extLst>
-              <a:ext uri="{FF2B5EF4-FFF2-40B4-BE49-F238E27FC236}">
-                <a16:creationId xmlns:a16="http://schemas.microsoft.com/office/drawing/2014/main" id="{4420E9C8-40AF-84EE-1F1A-42510B35E70E}"/>
+            <a:endParaRPr lang="en-US"/>
+          </a:p>
+        </p:txBody>
+      </p:sp>
+      <p:sp>
+        <p:nvSpPr>
+          <p:cNvPr id="5" name="Footer Placeholder 4">
+            <a:extLst>
+              <a:ext uri="{FF2B5EF4-FFF2-40B4-BE49-F238E27FC236}">
+                <a16:creationId xmlns:a16="http://schemas.microsoft.com/office/drawing/2014/main" id="{E3D79449-05F6-4BC7-95DF-F04E1F161498}"/>
               </a:ext>
             </a:extLst>
           </p:cNvPr>
@@ -2927,9 +2972,9 @@
           </p:nvPr>
         </p:nvSpPr>
         <p:spPr>
-          <a:xfrm>
-            <a:off x="4038600" y="6356350"/>
-            <a:ext cx="4114800" cy="365125"/>
+          <a:xfrm rot="5400000">
+            <a:off x="10118764" y="4237870"/>
+            <a:ext cx="3344053" cy="365125"/>
           </a:xfrm>
           <a:prstGeom prst="rect">
             <a:avLst/>
@@ -2938,27 +2983,25 @@
         <p:txBody>
           <a:bodyPr vert="horz" lIns="91440" tIns="45720" rIns="91440" bIns="45720" rtlCol="0" anchor="ctr"/>
           <a:lstStyle>
-            <a:lvl1pPr algn="ctr">
-              <a:defRPr sz="1200">
+            <a:lvl1pPr algn="r">
+              <a:defRPr sz="800" cap="all" spc="100" baseline="0">
                 <a:solidFill>
-                  <a:schemeClr val="tx1">
-                    <a:tint val="75000"/>
-                  </a:schemeClr>
+                  <a:schemeClr val="tx1"/>
                 </a:solidFill>
               </a:defRPr>
             </a:lvl1pPr>
           </a:lstStyle>
           <a:p>
-            <a:endParaRPr lang="de-DE"/>
-          </a:p>
-        </p:txBody>
-      </p:sp>
-      <p:sp>
-        <p:nvSpPr>
-          <p:cNvPr id="6" name="Foliennummernplatzhalter 5">
-            <a:extLst>
-              <a:ext uri="{FF2B5EF4-FFF2-40B4-BE49-F238E27FC236}">
-                <a16:creationId xmlns:a16="http://schemas.microsoft.com/office/drawing/2014/main" id="{F9FBA8FB-D5F5-EE28-0077-E645E98E2DEB}"/>
+            <a:endParaRPr lang="en-US" dirty="0"/>
+          </a:p>
+        </p:txBody>
+      </p:sp>
+      <p:sp>
+        <p:nvSpPr>
+          <p:cNvPr id="6" name="Slide Number Placeholder 5">
+            <a:extLst>
+              <a:ext uri="{FF2B5EF4-FFF2-40B4-BE49-F238E27FC236}">
+                <a16:creationId xmlns:a16="http://schemas.microsoft.com/office/drawing/2014/main" id="{E9317FE5-2D1F-4ECC-9460-08145C3BB933}"/>
               </a:ext>
             </a:extLst>
           </p:cNvPr>
@@ -2971,8 +3014,8 @@
         </p:nvSpPr>
         <p:spPr>
           <a:xfrm>
-            <a:off x="8610600" y="6356350"/>
-            <a:ext cx="2743200" cy="365125"/>
+            <a:off x="11228877" y="6319138"/>
+            <a:ext cx="710647" cy="365125"/>
           </a:xfrm>
           <a:prstGeom prst="rect">
             <a:avLst/>
@@ -2982,56 +3025,55 @@
           <a:bodyPr vert="horz" lIns="91440" tIns="45720" rIns="91440" bIns="45720" rtlCol="0" anchor="ctr"/>
           <a:lstStyle>
             <a:lvl1pPr algn="r">
-              <a:defRPr sz="1200">
+              <a:defRPr sz="800" cap="all" spc="100" baseline="0">
                 <a:solidFill>
-                  <a:schemeClr val="tx1">
-                    <a:tint val="75000"/>
-                  </a:schemeClr>
+                  <a:schemeClr val="tx1"/>
                 </a:solidFill>
               </a:defRPr>
             </a:lvl1pPr>
           </a:lstStyle>
           <a:p>
-            <a:fld id="{E21B1CCD-CEEE-47DD-8EBF-39550E763BCC}" type="slidenum">
-              <a:rPr lang="de-DE" smtClean="0"/>
+            <a:fld id="{D637F8FC-4B86-4690-8888-22AB2F781BEF}" type="slidenum">
+              <a:rPr lang="en-US" smtClean="0"/>
+              <a:pPr/>
               <a:t>‹Nr.›</a:t>
             </a:fld>
-            <a:endParaRPr lang="de-DE"/>
+            <a:endParaRPr lang="en-US"/>
           </a:p>
         </p:txBody>
       </p:sp>
     </p:spTree>
     <p:extLst>
       <p:ext uri="{BB962C8B-B14F-4D97-AF65-F5344CB8AC3E}">
-        <p14:creationId xmlns:p14="http://schemas.microsoft.com/office/powerpoint/2010/main" val="2552839143"/>
+        <p14:creationId xmlns:p14="http://schemas.microsoft.com/office/powerpoint/2010/main" val="3585077428"/>
       </p:ext>
     </p:extLst>
   </p:cSld>
   <p:clrMap bg1="lt1" tx1="dk1" bg2="lt2" tx2="dk2" accent1="accent1" accent2="accent2" accent3="accent3" accent4="accent4" accent5="accent5" accent6="accent6" hlink="hlink" folHlink="folHlink"/>
   <p:sldLayoutIdLst>
-    <p:sldLayoutId id="2147483649" r:id="rId1"/>
-    <p:sldLayoutId id="2147483650" r:id="rId2"/>
-    <p:sldLayoutId id="2147483651" r:id="rId3"/>
-    <p:sldLayoutId id="2147483652" r:id="rId4"/>
-    <p:sldLayoutId id="2147483653" r:id="rId5"/>
-    <p:sldLayoutId id="2147483654" r:id="rId6"/>
-    <p:sldLayoutId id="2147483655" r:id="rId7"/>
-    <p:sldLayoutId id="2147483656" r:id="rId8"/>
-    <p:sldLayoutId id="2147483657" r:id="rId9"/>
-    <p:sldLayoutId id="2147483658" r:id="rId10"/>
-    <p:sldLayoutId id="2147483659" r:id="rId11"/>
+    <p:sldLayoutId id="2147483720" r:id="rId1"/>
+    <p:sldLayoutId id="2147483721" r:id="rId2"/>
+    <p:sldLayoutId id="2147483722" r:id="rId3"/>
+    <p:sldLayoutId id="2147483723" r:id="rId4"/>
+    <p:sldLayoutId id="2147483724" r:id="rId5"/>
+    <p:sldLayoutId id="2147483718" r:id="rId6"/>
+    <p:sldLayoutId id="2147483714" r:id="rId7"/>
+    <p:sldLayoutId id="2147483715" r:id="rId8"/>
+    <p:sldLayoutId id="2147483716" r:id="rId9"/>
+    <p:sldLayoutId id="2147483717" r:id="rId10"/>
+    <p:sldLayoutId id="2147483719" r:id="rId11"/>
   </p:sldLayoutIdLst>
   <p:txStyles>
     <p:titleStyle>
       <a:lvl1pPr algn="l" defTabSz="914400" rtl="0" eaLnBrk="1" latinLnBrk="0" hangingPunct="1">
         <a:lnSpc>
-          <a:spcPct val="90000"/>
+          <a:spcPct val="100000"/>
         </a:lnSpc>
         <a:spcBef>
           <a:spcPct val="0"/>
         </a:spcBef>
         <a:buNone/>
-        <a:defRPr sz="4400" kern="1200">
+        <a:defRPr sz="3200" b="1" kern="1200">
           <a:solidFill>
             <a:schemeClr val="tx1"/>
           </a:solidFill>
@@ -3044,64 +3086,10 @@
     <p:bodyStyle>
       <a:lvl1pPr marL="228600" indent="-228600" algn="l" defTabSz="914400" rtl="0" eaLnBrk="1" latinLnBrk="0" hangingPunct="1">
         <a:lnSpc>
-          <a:spcPct val="90000"/>
+          <a:spcPct val="120000"/>
         </a:lnSpc>
         <a:spcBef>
           <a:spcPts val="1000"/>
-        </a:spcBef>
-        <a:buFont typeface="Arial" panose="020B0604020202020204" pitchFamily="34" charset="0"/>
-        <a:buChar char="•"/>
-        <a:defRPr sz="2800" kern="1200">
-          <a:solidFill>
-            <a:schemeClr val="tx1"/>
-          </a:solidFill>
-          <a:latin typeface="+mn-lt"/>
-          <a:ea typeface="+mn-ea"/>
-          <a:cs typeface="+mn-cs"/>
-        </a:defRPr>
-      </a:lvl1pPr>
-      <a:lvl2pPr marL="685800" indent="-228600" algn="l" defTabSz="914400" rtl="0" eaLnBrk="1" latinLnBrk="0" hangingPunct="1">
-        <a:lnSpc>
-          <a:spcPct val="90000"/>
-        </a:lnSpc>
-        <a:spcBef>
-          <a:spcPts val="500"/>
-        </a:spcBef>
-        <a:buFont typeface="Arial" panose="020B0604020202020204" pitchFamily="34" charset="0"/>
-        <a:buChar char="•"/>
-        <a:defRPr sz="2400" kern="1200">
-          <a:solidFill>
-            <a:schemeClr val="tx1"/>
-          </a:solidFill>
-          <a:latin typeface="+mn-lt"/>
-          <a:ea typeface="+mn-ea"/>
-          <a:cs typeface="+mn-cs"/>
-        </a:defRPr>
-      </a:lvl2pPr>
-      <a:lvl3pPr marL="1143000" indent="-228600" algn="l" defTabSz="914400" rtl="0" eaLnBrk="1" latinLnBrk="0" hangingPunct="1">
-        <a:lnSpc>
-          <a:spcPct val="90000"/>
-        </a:lnSpc>
-        <a:spcBef>
-          <a:spcPts val="500"/>
-        </a:spcBef>
-        <a:buFont typeface="Arial" panose="020B0604020202020204" pitchFamily="34" charset="0"/>
-        <a:buChar char="•"/>
-        <a:defRPr sz="2000" kern="1200">
-          <a:solidFill>
-            <a:schemeClr val="tx1"/>
-          </a:solidFill>
-          <a:latin typeface="+mn-lt"/>
-          <a:ea typeface="+mn-ea"/>
-          <a:cs typeface="+mn-cs"/>
-        </a:defRPr>
-      </a:lvl3pPr>
-      <a:lvl4pPr marL="1600200" indent="-228600" algn="l" defTabSz="914400" rtl="0" eaLnBrk="1" latinLnBrk="0" hangingPunct="1">
-        <a:lnSpc>
-          <a:spcPct val="90000"/>
-        </a:lnSpc>
-        <a:spcBef>
-          <a:spcPts val="500"/>
         </a:spcBef>
         <a:buFont typeface="Arial" panose="020B0604020202020204" pitchFamily="34" charset="0"/>
         <a:buChar char="•"/>
@@ -3113,17 +3101,71 @@
           <a:ea typeface="+mn-ea"/>
           <a:cs typeface="+mn-cs"/>
         </a:defRPr>
-      </a:lvl4pPr>
-      <a:lvl5pPr marL="2057400" indent="-228600" algn="l" defTabSz="914400" rtl="0" eaLnBrk="1" latinLnBrk="0" hangingPunct="1">
+      </a:lvl1pPr>
+      <a:lvl2pPr marL="502920" indent="-228600" algn="l" defTabSz="914400" rtl="0" eaLnBrk="1" latinLnBrk="0" hangingPunct="1">
         <a:lnSpc>
-          <a:spcPct val="90000"/>
+          <a:spcPct val="120000"/>
         </a:lnSpc>
         <a:spcBef>
           <a:spcPts val="500"/>
         </a:spcBef>
         <a:buFont typeface="Arial" panose="020B0604020202020204" pitchFamily="34" charset="0"/>
         <a:buChar char="•"/>
-        <a:defRPr sz="1800" kern="1200">
+        <a:defRPr sz="1600" kern="1200">
+          <a:solidFill>
+            <a:schemeClr val="tx1"/>
+          </a:solidFill>
+          <a:latin typeface="+mn-lt"/>
+          <a:ea typeface="+mn-ea"/>
+          <a:cs typeface="+mn-cs"/>
+        </a:defRPr>
+      </a:lvl2pPr>
+      <a:lvl3pPr marL="731520" indent="-228600" algn="l" defTabSz="914400" rtl="0" eaLnBrk="1" latinLnBrk="0" hangingPunct="1">
+        <a:lnSpc>
+          <a:spcPct val="120000"/>
+        </a:lnSpc>
+        <a:spcBef>
+          <a:spcPts val="500"/>
+        </a:spcBef>
+        <a:buFont typeface="Arial" panose="020B0604020202020204" pitchFamily="34" charset="0"/>
+        <a:buChar char="•"/>
+        <a:defRPr sz="1400" kern="1200">
+          <a:solidFill>
+            <a:schemeClr val="tx1"/>
+          </a:solidFill>
+          <a:latin typeface="+mn-lt"/>
+          <a:ea typeface="+mn-ea"/>
+          <a:cs typeface="+mn-cs"/>
+        </a:defRPr>
+      </a:lvl3pPr>
+      <a:lvl4pPr marL="1005840" indent="-228600" algn="l" defTabSz="914400" rtl="0" eaLnBrk="1" latinLnBrk="0" hangingPunct="1">
+        <a:lnSpc>
+          <a:spcPct val="120000"/>
+        </a:lnSpc>
+        <a:spcBef>
+          <a:spcPts val="500"/>
+        </a:spcBef>
+        <a:buFont typeface="Arial" panose="020B0604020202020204" pitchFamily="34" charset="0"/>
+        <a:buChar char="•"/>
+        <a:defRPr sz="1400" kern="1200">
+          <a:solidFill>
+            <a:schemeClr val="tx1"/>
+          </a:solidFill>
+          <a:latin typeface="+mn-lt"/>
+          <a:ea typeface="+mn-ea"/>
+          <a:cs typeface="+mn-cs"/>
+        </a:defRPr>
+      </a:lvl4pPr>
+      <a:lvl5pPr marL="1234440" indent="-228600" algn="l" defTabSz="914400" rtl="0" eaLnBrk="1" latinLnBrk="0" hangingPunct="1">
+        <a:lnSpc>
+          <a:spcPct val="120000"/>
+        </a:lnSpc>
+        <a:spcBef>
+          <a:spcPts val="500"/>
+        </a:spcBef>
+        <a:buFont typeface="Arial" panose="020B0604020202020204" pitchFamily="34" charset="0"/>
+        <a:buChar char="•"/>
+        <a:defRPr sz="1400" kern="1200">
           <a:solidFill>
             <a:schemeClr val="tx1"/>
           </a:solidFill>
@@ -3207,7 +3249,7 @@
     </p:bodyStyle>
     <p:otherStyle>
       <a:defPPr>
-        <a:defRPr lang="de-DE"/>
+        <a:defRPr lang="en-US"/>
       </a:defPPr>
       <a:lvl1pPr marL="0" algn="l" defTabSz="914400" rtl="0" eaLnBrk="1" latinLnBrk="0" hangingPunct="1">
         <a:defRPr sz="1800" kern="1200">
@@ -3307,6 +3349,14 @@
 <file path=ppt/slides/slide1.xml><?xml version="1.0" encoding="utf-8"?>
 <p:sld xmlns:a="http://schemas.openxmlformats.org/drawingml/2006/main" xmlns:r="http://schemas.openxmlformats.org/officeDocument/2006/relationships" xmlns:p="http://schemas.openxmlformats.org/presentationml/2006/main">
   <p:cSld>
+    <p:bg>
+      <p:bgPr>
+        <a:solidFill>
+          <a:schemeClr val="bg1"/>
+        </a:solidFill>
+        <a:effectLst/>
+      </p:bgPr>
+    </p:bg>
     <p:spTree>
       <p:nvGrpSpPr>
         <p:cNvPr id="1" name=""/>
@@ -3321,6 +3371,82 @@
           <a:chExt cx="0" cy="0"/>
         </a:xfrm>
       </p:grpSpPr>
+      <p:sp useBgFill="1">
+        <p:nvSpPr>
+          <p:cNvPr id="9" name="Rectangle 8">
+            <a:extLst>
+              <a:ext uri="{FF2B5EF4-FFF2-40B4-BE49-F238E27FC236}">
+                <a16:creationId xmlns:a16="http://schemas.microsoft.com/office/drawing/2014/main" id="{644DFB53-C7FE-4BC7-BA96-83262BE09953}"/>
+              </a:ext>
+              <a:ext uri="{C183D7F6-B498-43B3-948B-1728B52AA6E4}">
+                <adec:decorative xmlns:adec="http://schemas.microsoft.com/office/drawing/2017/decorative" val="1"/>
+              </a:ext>
+            </a:extLst>
+          </p:cNvPr>
+          <p:cNvSpPr>
+            <a:spLocks noGrp="1" noRot="1" noChangeAspect="1" noMove="1" noResize="1" noEditPoints="1" noAdjustHandles="1" noChangeArrowheads="1" noChangeShapeType="1" noTextEdit="1"/>
+          </p:cNvSpPr>
+          <p:nvPr>
+            <p:extLst>
+              <p:ext uri="{386F3935-93C4-4BCD-93E2-E3B085C9AB24}">
+                <p16:designElem xmlns:p16="http://schemas.microsoft.com/office/powerpoint/2015/main" val="1"/>
+              </p:ext>
+            </p:extLst>
+          </p:nvPr>
+        </p:nvSpPr>
+        <p:spPr>
+          <a:xfrm>
+            <a:off x="0" y="0"/>
+            <a:ext cx="12192000" cy="6858000"/>
+          </a:xfrm>
+          <a:prstGeom prst="rect">
+            <a:avLst/>
+          </a:prstGeom>
+          <a:ln w="12700" cap="flat" cmpd="sng" algn="ctr">
+            <a:noFill/>
+            <a:prstDash val="solid"/>
+            <a:miter lim="800000"/>
+          </a:ln>
+          <a:effectLst/>
+          <a:extLst>
+            <a:ext uri="{91240B29-F687-4F45-9708-019B960494DF}">
+              <a14:hiddenLine xmlns:a14="http://schemas.microsoft.com/office/drawing/2010/main" w="12700" cap="flat" cmpd="sng" algn="ctr">
+                <a:solidFill>
+                  <a:schemeClr val="accent1">
+                    <a:shade val="50000"/>
+                  </a:schemeClr>
+                </a:solidFill>
+                <a:prstDash val="solid"/>
+                <a:miter lim="800000"/>
+              </a14:hiddenLine>
+            </a:ext>
+          </a:extLst>
+        </p:spPr>
+        <p:style>
+          <a:lnRef idx="2">
+            <a:schemeClr val="accent1">
+              <a:shade val="50000"/>
+            </a:schemeClr>
+          </a:lnRef>
+          <a:fillRef idx="1">
+            <a:schemeClr val="accent1"/>
+          </a:fillRef>
+          <a:effectRef idx="0">
+            <a:schemeClr val="accent1"/>
+          </a:effectRef>
+          <a:fontRef idx="minor">
+            <a:schemeClr val="lt1"/>
+          </a:fontRef>
+        </p:style>
+        <p:txBody>
+          <a:bodyPr rtlCol="0" anchor="ctr"/>
+          <a:lstStyle/>
+          <a:p>
+            <a:pPr algn="ctr"/>
+            <a:endParaRPr lang="en-US"/>
+          </a:p>
+        </p:txBody>
+      </p:sp>
       <p:sp>
         <p:nvSpPr>
           <p:cNvPr id="2" name="Titel 1">
@@ -3337,13 +3463,20 @@
             <p:ph type="ctrTitle"/>
           </p:nvPr>
         </p:nvSpPr>
-        <p:spPr/>
-        <p:txBody>
-          <a:bodyPr/>
-          <a:lstStyle/>
-          <a:p>
-            <a:r>
-              <a:rPr lang="de-DE" dirty="0"/>
+        <p:spPr>
+          <a:xfrm>
+            <a:off x="1219200" y="5125144"/>
+            <a:ext cx="9334500" cy="771845"/>
+          </a:xfrm>
+        </p:spPr>
+        <p:txBody>
+          <a:bodyPr>
+            <a:normAutofit/>
+          </a:bodyPr>
+          <a:lstStyle/>
+          <a:p>
+            <a:r>
+              <a:rPr lang="de-DE" sz="3200" dirty="0"/>
               <a:t>Krebsdaten</a:t>
             </a:r>
           </a:p>
@@ -3365,31 +3498,54 @@
             <p:ph type="subTitle" idx="1"/>
           </p:nvPr>
         </p:nvSpPr>
-        <p:spPr/>
-        <p:txBody>
-          <a:bodyPr/>
-          <a:lstStyle/>
-          <a:p>
-            <a:r>
-              <a:rPr lang="de-DE" dirty="0"/>
-              <a:t>Malik </a:t>
-            </a:r>
-            <a:r>
-              <a:rPr lang="de-DE" dirty="0" err="1"/>
-              <a:t>Ljajic</a:t>
-            </a:r>
-            <a:r>
-              <a:rPr lang="de-DE" dirty="0"/>
-              <a:t>, </a:t>
-            </a:r>
-            <a:r>
-              <a:rPr lang="de-DE"/>
-              <a:t>Arezo Wafa</a:t>
-            </a:r>
-            <a:endParaRPr lang="de-DE" dirty="0"/>
-          </a:p>
-        </p:txBody>
-      </p:sp>
+        <p:spPr>
+          <a:xfrm>
+            <a:off x="1219200" y="5970269"/>
+            <a:ext cx="9334500" cy="563187"/>
+          </a:xfrm>
+        </p:spPr>
+        <p:txBody>
+          <a:bodyPr>
+            <a:normAutofit/>
+          </a:bodyPr>
+          <a:lstStyle/>
+          <a:p>
+            <a:r>
+              <a:rPr lang="de-DE" sz="1600"/>
+              <a:t>Malik Ljajic, Arezo Wafa</a:t>
+            </a:r>
+          </a:p>
+        </p:txBody>
+      </p:sp>
+      <p:pic>
+        <p:nvPicPr>
+          <p:cNvPr id="4" name="Picture 3">
+            <a:extLst>
+              <a:ext uri="{FF2B5EF4-FFF2-40B4-BE49-F238E27FC236}">
+                <a16:creationId xmlns:a16="http://schemas.microsoft.com/office/drawing/2014/main" id="{6B7F55B6-55E8-7578-9114-5723150B62B8}"/>
+              </a:ext>
+            </a:extLst>
+          </p:cNvPr>
+          <p:cNvPicPr>
+            <a:picLocks noChangeAspect="1"/>
+          </p:cNvPicPr>
+          <p:nvPr/>
+        </p:nvPicPr>
+        <p:blipFill rotWithShape="1">
+          <a:blip r:embed="rId2"/>
+          <a:srcRect t="36235"/>
+          <a:stretch/>
+        </p:blipFill>
+        <p:spPr>
+          <a:xfrm>
+            <a:off x="20" y="10"/>
+            <a:ext cx="12191980" cy="4800590"/>
+          </a:xfrm>
+          <a:prstGeom prst="rect">
+            <a:avLst/>
+          </a:prstGeom>
+        </p:spPr>
+      </p:pic>
     </p:spTree>
     <p:extLst>
       <p:ext uri="{BB962C8B-B14F-4D97-AF65-F5344CB8AC3E}">
@@ -3403,151 +3559,200 @@
 </p:sld>
 </file>
 
+<file path=ppt/slides/slide2.xml><?xml version="1.0" encoding="utf-8"?>
+<p:sld xmlns:a="http://schemas.openxmlformats.org/drawingml/2006/main" xmlns:r="http://schemas.openxmlformats.org/officeDocument/2006/relationships" xmlns:p="http://schemas.openxmlformats.org/presentationml/2006/main">
+  <p:cSld>
+    <p:bg>
+      <p:bgPr>
+        <a:gradFill>
+          <a:gsLst>
+            <a:gs pos="0">
+              <a:schemeClr val="accent1">
+                <a:lumMod val="5000"/>
+                <a:lumOff val="95000"/>
+              </a:schemeClr>
+            </a:gs>
+            <a:gs pos="46000">
+              <a:schemeClr val="accent1">
+                <a:lumMod val="40000"/>
+                <a:lumOff val="60000"/>
+              </a:schemeClr>
+            </a:gs>
+            <a:gs pos="25000">
+              <a:schemeClr val="accent1">
+                <a:lumMod val="45000"/>
+                <a:lumOff val="55000"/>
+              </a:schemeClr>
+            </a:gs>
+            <a:gs pos="100000">
+              <a:schemeClr val="tx2">
+                <a:lumMod val="25000"/>
+                <a:lumOff val="75000"/>
+              </a:schemeClr>
+            </a:gs>
+          </a:gsLst>
+          <a:lin ang="5400000" scaled="1"/>
+        </a:gradFill>
+        <a:effectLst/>
+      </p:bgPr>
+    </p:bg>
+    <p:spTree>
+      <p:nvGrpSpPr>
+        <p:cNvPr id="1" name=""/>
+        <p:cNvGrpSpPr/>
+        <p:nvPr/>
+      </p:nvGrpSpPr>
+      <p:grpSpPr>
+        <a:xfrm>
+          <a:off x="0" y="0"/>
+          <a:ext cx="0" cy="0"/>
+          <a:chOff x="0" y="0"/>
+          <a:chExt cx="0" cy="0"/>
+        </a:xfrm>
+      </p:grpSpPr>
+      <p:sp>
+        <p:nvSpPr>
+          <p:cNvPr id="2" name="Titel 1">
+            <a:extLst>
+              <a:ext uri="{FF2B5EF4-FFF2-40B4-BE49-F238E27FC236}">
+                <a16:creationId xmlns:a16="http://schemas.microsoft.com/office/drawing/2014/main" id="{39ED8159-3692-3670-E38C-C3A46F714A1F}"/>
+              </a:ext>
+            </a:extLst>
+          </p:cNvPr>
+          <p:cNvSpPr>
+            <a:spLocks noGrp="1"/>
+          </p:cNvSpPr>
+          <p:nvPr>
+            <p:ph type="title"/>
+          </p:nvPr>
+        </p:nvSpPr>
+        <p:spPr/>
+        <p:txBody>
+          <a:bodyPr/>
+          <a:lstStyle/>
+          <a:p>
+            <a:r>
+              <a:rPr lang="de-DE" dirty="0"/>
+              <a:t>Wer sind wir?</a:t>
+            </a:r>
+          </a:p>
+        </p:txBody>
+      </p:sp>
+      <p:sp>
+        <p:nvSpPr>
+          <p:cNvPr id="3" name="Inhaltsplatzhalter 2">
+            <a:extLst>
+              <a:ext uri="{FF2B5EF4-FFF2-40B4-BE49-F238E27FC236}">
+                <a16:creationId xmlns:a16="http://schemas.microsoft.com/office/drawing/2014/main" id="{259E751B-42BE-8C9C-733F-38C896865958}"/>
+              </a:ext>
+            </a:extLst>
+          </p:cNvPr>
+          <p:cNvSpPr>
+            <a:spLocks noGrp="1"/>
+          </p:cNvSpPr>
+          <p:nvPr>
+            <p:ph idx="1"/>
+          </p:nvPr>
+        </p:nvSpPr>
+        <p:spPr/>
+        <p:txBody>
+          <a:bodyPr/>
+          <a:lstStyle/>
+          <a:p>
+            <a:r>
+              <a:rPr lang="de-DE" dirty="0"/>
+              <a:t>Arezo Wafa</a:t>
+            </a:r>
+          </a:p>
+          <a:p>
+            <a:endParaRPr lang="de-DE" dirty="0"/>
+          </a:p>
+          <a:p>
+            <a:endParaRPr lang="de-DE" dirty="0"/>
+          </a:p>
+          <a:p>
+            <a:endParaRPr lang="de-DE" dirty="0"/>
+          </a:p>
+          <a:p>
+            <a:endParaRPr lang="de-DE" dirty="0"/>
+          </a:p>
+          <a:p>
+            <a:r>
+              <a:rPr lang="de-DE" dirty="0"/>
+              <a:t>Malik </a:t>
+            </a:r>
+            <a:r>
+              <a:rPr lang="de-DE" dirty="0" err="1"/>
+              <a:t>Ljajic</a:t>
+            </a:r>
+            <a:endParaRPr lang="de-DE" dirty="0"/>
+          </a:p>
+        </p:txBody>
+      </p:sp>
+    </p:spTree>
+    <p:extLst>
+      <p:ext uri="{BB962C8B-B14F-4D97-AF65-F5344CB8AC3E}">
+        <p14:creationId xmlns:p14="http://schemas.microsoft.com/office/powerpoint/2010/main" val="1450308660"/>
+      </p:ext>
+    </p:extLst>
+  </p:cSld>
+  <p:clrMapOvr>
+    <a:masterClrMapping/>
+  </p:clrMapOvr>
+</p:sld>
+</file>
+
 <file path=ppt/theme/theme1.xml><?xml version="1.0" encoding="utf-8"?>
-<a:theme xmlns:a="http://schemas.openxmlformats.org/drawingml/2006/main" name="Office">
+<a:theme xmlns:a="http://schemas.openxmlformats.org/drawingml/2006/main" name="EncaseVTI">
   <a:themeElements>
-    <a:clrScheme name="Office">
+    <a:clrScheme name="AnalogousFromLightSeedLeftStep">
       <a:dk1>
-        <a:sysClr val="windowText" lastClr="000000"/>
+        <a:srgbClr val="000000"/>
       </a:dk1>
       <a:lt1>
-        <a:sysClr val="window" lastClr="FFFFFF"/>
+        <a:srgbClr val="FFFFFF"/>
       </a:lt1>
       <a:dk2>
-        <a:srgbClr val="44546A"/>
+        <a:srgbClr val="332441"/>
       </a:dk2>
       <a:lt2>
-        <a:srgbClr val="E7E6E6"/>
+        <a:srgbClr val="E2E8E7"/>
       </a:lt2>
       <a:accent1>
-        <a:srgbClr val="4472C4"/>
+        <a:srgbClr val="C696A2"/>
       </a:accent1>
       <a:accent2>
-        <a:srgbClr val="ED7D31"/>
+        <a:srgbClr val="BA7FA6"/>
       </a:accent2>
       <a:accent3>
-        <a:srgbClr val="A5A5A5"/>
+        <a:srgbClr val="C193C5"/>
       </a:accent3>
       <a:accent4>
-        <a:srgbClr val="FFC000"/>
+        <a:srgbClr val="9D7FBA"/>
       </a:accent4>
       <a:accent5>
-        <a:srgbClr val="5B9BD5"/>
+        <a:srgbClr val="9A96C6"/>
       </a:accent5>
       <a:accent6>
-        <a:srgbClr val="70AD47"/>
+        <a:srgbClr val="7F92BA"/>
       </a:accent6>
       <a:hlink>
-        <a:srgbClr val="0563C1"/>
+        <a:srgbClr val="568F81"/>
       </a:hlink>
       <a:folHlink>
-        <a:srgbClr val="954F72"/>
+        <a:srgbClr val="7F7F7F"/>
       </a:folHlink>
     </a:clrScheme>
-    <a:fontScheme name="Office">
+    <a:fontScheme name="Avenir">
       <a:majorFont>
-        <a:latin typeface="Calibri Light" panose="020F0302020204030204"/>
+        <a:latin typeface="Avenir Next LT Pro"/>
         <a:ea typeface=""/>
         <a:cs typeface=""/>
-        <a:font script="Jpan" typeface="游ゴシック Light"/>
-        <a:font script="Hang" typeface="맑은 고딕"/>
-        <a:font script="Hans" typeface="等线 Light"/>
-        <a:font script="Hant" typeface="新細明體"/>
-        <a:font script="Arab" typeface="Times New Roman"/>
-        <a:font script="Hebr" typeface="Times New Roman"/>
-        <a:font script="Thai" typeface="Angsana New"/>
-        <a:font script="Ethi" typeface="Nyala"/>
-        <a:font script="Beng" typeface="Vrinda"/>
-        <a:font script="Gujr" typeface="Shruti"/>
-        <a:font script="Khmr" typeface="MoolBoran"/>
-        <a:font script="Knda" typeface="Tunga"/>
-        <a:font script="Guru" typeface="Raavi"/>
-        <a:font script="Cans" typeface="Euphemia"/>
-        <a:font script="Cher" typeface="Plantagenet Cherokee"/>
-        <a:font script="Yiii" typeface="Microsoft Yi Baiti"/>
-        <a:font script="Tibt" typeface="Microsoft Himalaya"/>
-        <a:font script="Thaa" typeface="MV Boli"/>
-        <a:font script="Deva" typeface="Mangal"/>
-        <a:font script="Telu" typeface="Gautami"/>
-        <a:font script="Taml" typeface="Latha"/>
-        <a:font script="Syrc" typeface="Estrangelo Edessa"/>
-        <a:font script="Orya" typeface="Kalinga"/>
-        <a:font script="Mlym" typeface="Kartika"/>
-        <a:font script="Laoo" typeface="DokChampa"/>
-        <a:font script="Sinh" typeface="Iskoola Pota"/>
-        <a:font script="Mong" typeface="Mongolian Baiti"/>
-        <a:font script="Viet" typeface="Times New Roman"/>
-        <a:font script="Uigh" typeface="Microsoft Uighur"/>
-        <a:font script="Geor" typeface="Sylfaen"/>
-        <a:font script="Armn" typeface="Arial"/>
-        <a:font script="Bugi" typeface="Leelawadee UI"/>
-        <a:font script="Bopo" typeface="Microsoft JhengHei"/>
-        <a:font script="Java" typeface="Javanese Text"/>
-        <a:font script="Lisu" typeface="Segoe UI"/>
-        <a:font script="Mymr" typeface="Myanmar Text"/>
-        <a:font script="Nkoo" typeface="Ebrima"/>
-        <a:font script="Olck" typeface="Nirmala UI"/>
-        <a:font script="Osma" typeface="Ebrima"/>
-        <a:font script="Phag" typeface="Phagspa"/>
-        <a:font script="Syrn" typeface="Estrangelo Edessa"/>
-        <a:font script="Syrj" typeface="Estrangelo Edessa"/>
-        <a:font script="Syre" typeface="Estrangelo Edessa"/>
-        <a:font script="Sora" typeface="Nirmala UI"/>
-        <a:font script="Tale" typeface="Microsoft Tai Le"/>
-        <a:font script="Talu" typeface="Microsoft New Tai Lue"/>
-        <a:font script="Tfng" typeface="Ebrima"/>
       </a:majorFont>
       <a:minorFont>
-        <a:latin typeface="Calibri" panose="020F0502020204030204"/>
+        <a:latin typeface="Avenir Next LT Pro Light"/>
         <a:ea typeface=""/>
         <a:cs typeface=""/>
-        <a:font script="Jpan" typeface="游ゴシック"/>
-        <a:font script="Hang" typeface="맑은 고딕"/>
-        <a:font script="Hans" typeface="等线"/>
-        <a:font script="Hant" typeface="新細明體"/>
-        <a:font script="Arab" typeface="Arial"/>
-        <a:font script="Hebr" typeface="Arial"/>
-        <a:font script="Thai" typeface="Cordia New"/>
-        <a:font script="Ethi" typeface="Nyala"/>
-        <a:font script="Beng" typeface="Vrinda"/>
-        <a:font script="Gujr" typeface="Shruti"/>
-        <a:font script="Khmr" typeface="DaunPenh"/>
-        <a:font script="Knda" typeface="Tunga"/>
-        <a:font script="Guru" typeface="Raavi"/>
-        <a:font script="Cans" typeface="Euphemia"/>
-        <a:font script="Cher" typeface="Plantagenet Cherokee"/>
-        <a:font script="Yiii" typeface="Microsoft Yi Baiti"/>
-        <a:font script="Tibt" typeface="Microsoft Himalaya"/>
-        <a:font script="Thaa" typeface="MV Boli"/>
-        <a:font script="Deva" typeface="Mangal"/>
-        <a:font script="Telu" typeface="Gautami"/>
-        <a:font script="Taml" typeface="Latha"/>
-        <a:font script="Syrc" typeface="Estrangelo Edessa"/>
-        <a:font script="Orya" typeface="Kalinga"/>
-        <a:font script="Mlym" typeface="Kartika"/>
-        <a:font script="Laoo" typeface="DokChampa"/>
-        <a:font script="Sinh" typeface="Iskoola Pota"/>
-        <a:font script="Mong" typeface="Mongolian Baiti"/>
-        <a:font script="Viet" typeface="Arial"/>
-        <a:font script="Uigh" typeface="Microsoft Uighur"/>
-        <a:font script="Geor" typeface="Sylfaen"/>
-        <a:font script="Armn" typeface="Arial"/>
-        <a:font script="Bugi" typeface="Leelawadee UI"/>
-        <a:font script="Bopo" typeface="Microsoft JhengHei"/>
-        <a:font script="Java" typeface="Javanese Text"/>
-        <a:font script="Lisu" typeface="Segoe UI"/>
-        <a:font script="Mymr" typeface="Myanmar Text"/>
-        <a:font script="Nkoo" typeface="Ebrima"/>
-        <a:font script="Olck" typeface="Nirmala UI"/>
-        <a:font script="Osma" typeface="Ebrima"/>
-        <a:font script="Phag" typeface="Phagspa"/>
-        <a:font script="Syrn" typeface="Estrangelo Edessa"/>
-        <a:font script="Syrj" typeface="Estrangelo Edessa"/>
-        <a:font script="Syre" typeface="Estrangelo Edessa"/>
-        <a:font script="Sora" typeface="Nirmala UI"/>
-        <a:font script="Tale" typeface="Microsoft Tai Le"/>
-        <a:font script="Talu" typeface="Microsoft New Tai Lue"/>
-        <a:font script="Tfng" typeface="Ebrima"/>
       </a:minorFont>
     </a:fontScheme>
     <a:fmtScheme name="Office">
@@ -3692,7 +3897,7 @@
   <a:extraClrSchemeLst/>
   <a:extLst>
     <a:ext uri="{05A4C25C-085E-4340-85A3-A5531E510DB2}">
-      <thm15:themeFamily xmlns:thm15="http://schemas.microsoft.com/office/thememl/2012/main" name="Office Theme" id="{62F939B6-93AF-4DB8-9C6B-D6C7DFDC589F}" vid="{4A3C46E8-61CC-4603-A589-7422A47A8E4A}"/>
+      <thm15:themeFamily xmlns:thm15="http://schemas.microsoft.com/office/thememl/2012/main" name="EncaseVTI" id="{C293990F-FDB3-4ED3-8175-FB79CE5A2A12}" vid="{A5662C19-271F-459F-B4ED-861A98237642}"/>
     </a:ext>
   </a:extLst>
 </a:theme>
